--- a/Apresentação_Entrega.pptx
+++ b/Apresentação_Entrega.pptx
@@ -8,24 +8,25 @@
     <p:sldId id="259" r:id="rId2"/>
     <p:sldId id="266" r:id="rId3"/>
     <p:sldId id="503" r:id="rId4"/>
-    <p:sldId id="257" r:id="rId5"/>
-    <p:sldId id="504" r:id="rId6"/>
-    <p:sldId id="486" r:id="rId7"/>
-    <p:sldId id="258" r:id="rId8"/>
-    <p:sldId id="505" r:id="rId9"/>
-    <p:sldId id="267" r:id="rId10"/>
-    <p:sldId id="507" r:id="rId11"/>
-    <p:sldId id="506" r:id="rId12"/>
-    <p:sldId id="502" r:id="rId13"/>
-    <p:sldId id="508" r:id="rId14"/>
-    <p:sldId id="256" r:id="rId15"/>
+    <p:sldId id="510" r:id="rId5"/>
+    <p:sldId id="257" r:id="rId6"/>
+    <p:sldId id="504" r:id="rId7"/>
+    <p:sldId id="486" r:id="rId8"/>
+    <p:sldId id="258" r:id="rId9"/>
+    <p:sldId id="505" r:id="rId10"/>
+    <p:sldId id="267" r:id="rId11"/>
+    <p:sldId id="507" r:id="rId12"/>
+    <p:sldId id="506" r:id="rId13"/>
+    <p:sldId id="502" r:id="rId14"/>
+    <p:sldId id="508" r:id="rId15"/>
     <p:sldId id="509" r:id="rId16"/>
-    <p:sldId id="328" r:id="rId17"/>
-    <p:sldId id="499" r:id="rId18"/>
-    <p:sldId id="273" r:id="rId19"/>
-    <p:sldId id="494" r:id="rId20"/>
-    <p:sldId id="500" r:id="rId21"/>
-    <p:sldId id="501" r:id="rId22"/>
+    <p:sldId id="256" r:id="rId17"/>
+    <p:sldId id="328" r:id="rId18"/>
+    <p:sldId id="499" r:id="rId19"/>
+    <p:sldId id="273" r:id="rId20"/>
+    <p:sldId id="494" r:id="rId21"/>
+    <p:sldId id="500" r:id="rId22"/>
+    <p:sldId id="501" r:id="rId23"/>
   </p:sldIdLst>
   <p:sldSz cx="12192000" cy="6858000"/>
   <p:notesSz cx="6858000" cy="9144000"/>
@@ -4424,6 +4425,446 @@
           <p:cNvPr id="2" name="Título 1">
             <a:extLst>
               <a:ext uri="{FF2B5EF4-FFF2-40B4-BE49-F238E27FC236}">
+                <a16:creationId xmlns:a16="http://schemas.microsoft.com/office/drawing/2014/main" id="{41C257AB-9C84-4143-927C-181EE03BB766}"/>
+              </a:ext>
+            </a:extLst>
+          </p:cNvPr>
+          <p:cNvSpPr>
+            <a:spLocks noGrp="1"/>
+          </p:cNvSpPr>
+          <p:nvPr>
+            <p:ph type="title"/>
+          </p:nvPr>
+        </p:nvSpPr>
+        <p:spPr>
+          <a:xfrm rot="16200000">
+            <a:off x="-2168438" y="2685274"/>
+            <a:ext cx="5662441" cy="1325563"/>
+          </a:xfrm>
+        </p:spPr>
+        <p:txBody>
+          <a:bodyPr>
+            <a:normAutofit/>
+          </a:bodyPr>
+          <a:lstStyle/>
+          <a:p>
+            <a:r>
+              <a:rPr lang="pt-BR" sz="2400" b="1" dirty="0"/>
+              <a:t>NS3: DISTÂNCIA ENTRE DISPOSITIVOS </a:t>
+            </a:r>
+            <a:br>
+              <a:rPr lang="pt-BR" sz="2400" b="1" dirty="0"/>
+            </a:br>
+            <a:r>
+              <a:rPr lang="pt-BR" sz="2400" b="1" dirty="0"/>
+              <a:t>COM MOBILIDADE ESTÁTICA</a:t>
+            </a:r>
+          </a:p>
+        </p:txBody>
+      </p:sp>
+      <p:pic>
+        <p:nvPicPr>
+          <p:cNvPr id="3" name="Imagem 2">
+            <a:extLst>
+              <a:ext uri="{FF2B5EF4-FFF2-40B4-BE49-F238E27FC236}">
+                <a16:creationId xmlns:a16="http://schemas.microsoft.com/office/drawing/2014/main" id="{5C1BD133-A1A9-4C6B-B4CD-6126F26B33A3}"/>
+              </a:ext>
+            </a:extLst>
+          </p:cNvPr>
+          <p:cNvPicPr>
+            <a:picLocks noChangeAspect="1"/>
+          </p:cNvPicPr>
+          <p:nvPr/>
+        </p:nvPicPr>
+        <p:blipFill>
+          <a:blip r:embed="rId2"/>
+          <a:stretch>
+            <a:fillRect/>
+          </a:stretch>
+        </p:blipFill>
+        <p:spPr>
+          <a:xfrm>
+            <a:off x="1133484" y="235676"/>
+            <a:ext cx="10230331" cy="5943600"/>
+          </a:xfrm>
+          <a:prstGeom prst="rect">
+            <a:avLst/>
+          </a:prstGeom>
+        </p:spPr>
+      </p:pic>
+      <p:sp>
+        <p:nvSpPr>
+          <p:cNvPr id="4" name="CaixaDeTexto 3">
+            <a:extLst>
+              <a:ext uri="{FF2B5EF4-FFF2-40B4-BE49-F238E27FC236}">
+                <a16:creationId xmlns:a16="http://schemas.microsoft.com/office/drawing/2014/main" id="{BF30DD39-48D5-4C56-B915-852488E26C2C}"/>
+              </a:ext>
+            </a:extLst>
+          </p:cNvPr>
+          <p:cNvSpPr txBox="1"/>
+          <p:nvPr/>
+        </p:nvSpPr>
+        <p:spPr>
+          <a:xfrm>
+            <a:off x="3792414" y="1618495"/>
+            <a:ext cx="1713611" cy="369332"/>
+          </a:xfrm>
+          <a:prstGeom prst="rect">
+            <a:avLst/>
+          </a:prstGeom>
+          <a:noFill/>
+        </p:spPr>
+        <p:txBody>
+          <a:bodyPr wrap="none" rtlCol="0">
+            <a:spAutoFit/>
+          </a:bodyPr>
+          <a:lstStyle/>
+          <a:p>
+            <a:r>
+              <a:rPr lang="pt-BR" dirty="0"/>
+              <a:t>AP: Access Point</a:t>
+            </a:r>
+          </a:p>
+        </p:txBody>
+      </p:sp>
+      <p:cxnSp>
+        <p:nvCxnSpPr>
+          <p:cNvPr id="6" name="Conector de Seta Reta 5">
+            <a:extLst>
+              <a:ext uri="{FF2B5EF4-FFF2-40B4-BE49-F238E27FC236}">
+                <a16:creationId xmlns:a16="http://schemas.microsoft.com/office/drawing/2014/main" id="{E996643D-4936-4F6E-A571-7CAC9CE8F3CD}"/>
+              </a:ext>
+            </a:extLst>
+          </p:cNvPr>
+          <p:cNvCxnSpPr/>
+          <p:nvPr/>
+        </p:nvCxnSpPr>
+        <p:spPr>
+          <a:xfrm>
+            <a:off x="4893459" y="1909973"/>
+            <a:ext cx="768626" cy="505312"/>
+          </a:xfrm>
+          <a:prstGeom prst="straightConnector1">
+            <a:avLst/>
+          </a:prstGeom>
+          <a:ln>
+            <a:tailEnd type="triangle"/>
+          </a:ln>
+        </p:spPr>
+        <p:style>
+          <a:lnRef idx="1">
+            <a:schemeClr val="accent1"/>
+          </a:lnRef>
+          <a:fillRef idx="0">
+            <a:schemeClr val="accent1"/>
+          </a:fillRef>
+          <a:effectRef idx="0">
+            <a:schemeClr val="accent1"/>
+          </a:effectRef>
+          <a:fontRef idx="minor">
+            <a:schemeClr val="tx1"/>
+          </a:fontRef>
+        </p:style>
+      </p:cxnSp>
+      <p:sp>
+        <p:nvSpPr>
+          <p:cNvPr id="7" name="CaixaDeTexto 6">
+            <a:extLst>
+              <a:ext uri="{FF2B5EF4-FFF2-40B4-BE49-F238E27FC236}">
+                <a16:creationId xmlns:a16="http://schemas.microsoft.com/office/drawing/2014/main" id="{5059B60A-3AC2-4B15-881A-41B8E0B02CD2}"/>
+              </a:ext>
+            </a:extLst>
+          </p:cNvPr>
+          <p:cNvSpPr txBox="1"/>
+          <p:nvPr/>
+        </p:nvSpPr>
+        <p:spPr>
+          <a:xfrm>
+            <a:off x="1996998" y="5125424"/>
+            <a:ext cx="2790444" cy="369332"/>
+          </a:xfrm>
+          <a:prstGeom prst="rect">
+            <a:avLst/>
+          </a:prstGeom>
+          <a:noFill/>
+        </p:spPr>
+        <p:txBody>
+          <a:bodyPr wrap="none" rtlCol="0">
+            <a:spAutoFit/>
+          </a:bodyPr>
+          <a:lstStyle/>
+          <a:p>
+            <a:r>
+              <a:rPr lang="pt-BR" dirty="0"/>
+              <a:t>LAN ETHERNET: CSMA node</a:t>
+            </a:r>
+          </a:p>
+        </p:txBody>
+      </p:sp>
+      <p:cxnSp>
+        <p:nvCxnSpPr>
+          <p:cNvPr id="9" name="Conector de Seta Reta 8">
+            <a:extLst>
+              <a:ext uri="{FF2B5EF4-FFF2-40B4-BE49-F238E27FC236}">
+                <a16:creationId xmlns:a16="http://schemas.microsoft.com/office/drawing/2014/main" id="{BAAA6DB4-EA3E-4BA6-8CAF-890DC0088B38}"/>
+              </a:ext>
+            </a:extLst>
+          </p:cNvPr>
+          <p:cNvCxnSpPr>
+            <a:cxnSpLocks/>
+          </p:cNvCxnSpPr>
+          <p:nvPr/>
+        </p:nvCxnSpPr>
+        <p:spPr>
+          <a:xfrm flipV="1">
+            <a:off x="4293704" y="3348055"/>
+            <a:ext cx="711032" cy="1777370"/>
+          </a:xfrm>
+          <a:prstGeom prst="straightConnector1">
+            <a:avLst/>
+          </a:prstGeom>
+          <a:ln>
+            <a:tailEnd type="triangle"/>
+          </a:ln>
+        </p:spPr>
+        <p:style>
+          <a:lnRef idx="1">
+            <a:schemeClr val="accent1"/>
+          </a:lnRef>
+          <a:fillRef idx="0">
+            <a:schemeClr val="accent1"/>
+          </a:fillRef>
+          <a:effectRef idx="0">
+            <a:schemeClr val="accent1"/>
+          </a:effectRef>
+          <a:fontRef idx="minor">
+            <a:schemeClr val="tx1"/>
+          </a:fontRef>
+        </p:style>
+      </p:cxnSp>
+      <p:sp>
+        <p:nvSpPr>
+          <p:cNvPr id="10" name="CaixaDeTexto 9">
+            <a:extLst>
+              <a:ext uri="{FF2B5EF4-FFF2-40B4-BE49-F238E27FC236}">
+                <a16:creationId xmlns:a16="http://schemas.microsoft.com/office/drawing/2014/main" id="{A99268DF-CA09-4A32-9839-DAC37ADF6833}"/>
+              </a:ext>
+            </a:extLst>
+          </p:cNvPr>
+          <p:cNvSpPr txBox="1"/>
+          <p:nvPr/>
+        </p:nvSpPr>
+        <p:spPr>
+          <a:xfrm>
+            <a:off x="8799780" y="5431953"/>
+            <a:ext cx="1599733" cy="369332"/>
+          </a:xfrm>
+          <a:prstGeom prst="rect">
+            <a:avLst/>
+          </a:prstGeom>
+          <a:noFill/>
+        </p:spPr>
+        <p:txBody>
+          <a:bodyPr wrap="none" rtlCol="0">
+            <a:spAutoFit/>
+          </a:bodyPr>
+          <a:lstStyle/>
+          <a:p>
+            <a:r>
+              <a:rPr lang="pt-BR" dirty="0"/>
+              <a:t>STA : </a:t>
+            </a:r>
+            <a:r>
+              <a:rPr lang="pt-BR" dirty="0" err="1"/>
+              <a:t>Wifi</a:t>
+            </a:r>
+            <a:r>
+              <a:rPr lang="pt-BR" dirty="0"/>
+              <a:t> node</a:t>
+            </a:r>
+          </a:p>
+        </p:txBody>
+      </p:sp>
+      <p:cxnSp>
+        <p:nvCxnSpPr>
+          <p:cNvPr id="12" name="Conector de Seta Reta 11">
+            <a:extLst>
+              <a:ext uri="{FF2B5EF4-FFF2-40B4-BE49-F238E27FC236}">
+                <a16:creationId xmlns:a16="http://schemas.microsoft.com/office/drawing/2014/main" id="{1C206F1A-EC85-43E0-A070-9A6E25120568}"/>
+              </a:ext>
+            </a:extLst>
+          </p:cNvPr>
+          <p:cNvCxnSpPr>
+            <a:cxnSpLocks/>
+          </p:cNvCxnSpPr>
+          <p:nvPr/>
+        </p:nvCxnSpPr>
+        <p:spPr>
+          <a:xfrm flipH="1" flipV="1">
+            <a:off x="8527774" y="2884870"/>
+            <a:ext cx="1667228" cy="2425221"/>
+          </a:xfrm>
+          <a:prstGeom prst="straightConnector1">
+            <a:avLst/>
+          </a:prstGeom>
+          <a:ln>
+            <a:tailEnd type="triangle"/>
+          </a:ln>
+        </p:spPr>
+        <p:style>
+          <a:lnRef idx="1">
+            <a:schemeClr val="accent1"/>
+          </a:lnRef>
+          <a:fillRef idx="0">
+            <a:schemeClr val="accent1"/>
+          </a:fillRef>
+          <a:effectRef idx="0">
+            <a:schemeClr val="accent1"/>
+          </a:effectRef>
+          <a:fontRef idx="minor">
+            <a:schemeClr val="tx1"/>
+          </a:fontRef>
+        </p:style>
+      </p:cxnSp>
+      <p:sp>
+        <p:nvSpPr>
+          <p:cNvPr id="13" name="Chave Direita 12">
+            <a:extLst>
+              <a:ext uri="{FF2B5EF4-FFF2-40B4-BE49-F238E27FC236}">
+                <a16:creationId xmlns:a16="http://schemas.microsoft.com/office/drawing/2014/main" id="{C68BA485-DB97-4A97-92D2-6CC631576DB0}"/>
+              </a:ext>
+            </a:extLst>
+          </p:cNvPr>
+          <p:cNvSpPr/>
+          <p:nvPr/>
+        </p:nvSpPr>
+        <p:spPr>
+          <a:xfrm rot="5400000">
+            <a:off x="6743661" y="1985417"/>
+            <a:ext cx="463185" cy="2262089"/>
+          </a:xfrm>
+          <a:prstGeom prst="rightBrace">
+            <a:avLst/>
+          </a:prstGeom>
+        </p:spPr>
+        <p:style>
+          <a:lnRef idx="1">
+            <a:schemeClr val="accent1"/>
+          </a:lnRef>
+          <a:fillRef idx="0">
+            <a:schemeClr val="accent1"/>
+          </a:fillRef>
+          <a:effectRef idx="0">
+            <a:schemeClr val="accent1"/>
+          </a:effectRef>
+          <a:fontRef idx="minor">
+            <a:schemeClr val="tx1"/>
+          </a:fontRef>
+        </p:style>
+        <p:txBody>
+          <a:bodyPr rtlCol="0" anchor="ctr"/>
+          <a:lstStyle/>
+          <a:p>
+            <a:pPr algn="ctr"/>
+            <a:endParaRPr lang="pt-BR"/>
+          </a:p>
+        </p:txBody>
+      </p:sp>
+      <p:sp>
+        <p:nvSpPr>
+          <p:cNvPr id="16" name="CaixaDeTexto 15">
+            <a:extLst>
+              <a:ext uri="{FF2B5EF4-FFF2-40B4-BE49-F238E27FC236}">
+                <a16:creationId xmlns:a16="http://schemas.microsoft.com/office/drawing/2014/main" id="{BB395878-F2C8-45C3-BA49-01D55E1265AB}"/>
+              </a:ext>
+            </a:extLst>
+          </p:cNvPr>
+          <p:cNvSpPr txBox="1"/>
+          <p:nvPr/>
+        </p:nvSpPr>
+        <p:spPr>
+          <a:xfrm>
+            <a:off x="6138220" y="3509947"/>
+            <a:ext cx="2448812" cy="369332"/>
+          </a:xfrm>
+          <a:prstGeom prst="rect">
+            <a:avLst/>
+          </a:prstGeom>
+          <a:noFill/>
+        </p:spPr>
+        <p:txBody>
+          <a:bodyPr wrap="none" rtlCol="0">
+            <a:spAutoFit/>
+          </a:bodyPr>
+          <a:lstStyle/>
+          <a:p>
+            <a:r>
+              <a:rPr lang="pt-BR" dirty="0" err="1"/>
+              <a:t>Distance</a:t>
+            </a:r>
+            <a:r>
+              <a:rPr lang="pt-BR" dirty="0"/>
+              <a:t> </a:t>
+            </a:r>
+            <a:r>
+              <a:rPr lang="pt-BR" dirty="0" err="1"/>
+              <a:t>to</a:t>
+            </a:r>
+            <a:r>
+              <a:rPr lang="pt-BR" dirty="0"/>
+              <a:t> </a:t>
+            </a:r>
+            <a:r>
+              <a:rPr lang="pt-BR" dirty="0" err="1"/>
+              <a:t>Rx</a:t>
+            </a:r>
+            <a:r>
+              <a:rPr lang="pt-BR" dirty="0"/>
+              <a:t> in </a:t>
+            </a:r>
+            <a:r>
+              <a:rPr lang="pt-BR" dirty="0" err="1"/>
+              <a:t>meters</a:t>
+            </a:r>
+            <a:endParaRPr lang="pt-BR" dirty="0"/>
+          </a:p>
+        </p:txBody>
+      </p:sp>
+    </p:spTree>
+    <p:extLst>
+      <p:ext uri="{BB962C8B-B14F-4D97-AF65-F5344CB8AC3E}">
+        <p14:creationId xmlns:p14="http://schemas.microsoft.com/office/powerpoint/2010/main" val="1344826431"/>
+      </p:ext>
+    </p:extLst>
+  </p:cSld>
+  <p:clrMapOvr>
+    <a:masterClrMapping/>
+  </p:clrMapOvr>
+</p:sld>
+</file>
+
+<file path=ppt/slides/slide11.xml><?xml version="1.0" encoding="utf-8"?>
+<p:sld xmlns:a="http://schemas.openxmlformats.org/drawingml/2006/main" xmlns:r="http://schemas.openxmlformats.org/officeDocument/2006/relationships" xmlns:p="http://schemas.openxmlformats.org/presentationml/2006/main">
+  <p:cSld>
+    <p:spTree>
+      <p:nvGrpSpPr>
+        <p:cNvPr id="1" name=""/>
+        <p:cNvGrpSpPr/>
+        <p:nvPr/>
+      </p:nvGrpSpPr>
+      <p:grpSpPr>
+        <a:xfrm>
+          <a:off x="0" y="0"/>
+          <a:ext cx="0" cy="0"/>
+          <a:chOff x="0" y="0"/>
+          <a:chExt cx="0" cy="0"/>
+        </a:xfrm>
+      </p:grpSpPr>
+      <p:sp>
+        <p:nvSpPr>
+          <p:cNvPr id="2" name="Título 1">
+            <a:extLst>
+              <a:ext uri="{FF2B5EF4-FFF2-40B4-BE49-F238E27FC236}">
                 <a16:creationId xmlns:a16="http://schemas.microsoft.com/office/drawing/2014/main" id="{DC971DB3-9566-4A70-89C3-B8F2E59D98FC}"/>
               </a:ext>
             </a:extLst>
@@ -4490,7 +4931,7 @@
 </p:sld>
 </file>
 
-<file path=ppt/slides/slide11.xml><?xml version="1.0" encoding="utf-8"?>
+<file path=ppt/slides/slide12.xml><?xml version="1.0" encoding="utf-8"?>
 <p:sld xmlns:a="http://schemas.openxmlformats.org/drawingml/2006/main" xmlns:r="http://schemas.openxmlformats.org/officeDocument/2006/relationships" xmlns:p="http://schemas.openxmlformats.org/presentationml/2006/main">
   <p:cSld>
     <p:spTree>
@@ -4578,225 +5019,6 @@
 </p:sld>
 </file>
 
-<file path=ppt/slides/slide12.xml><?xml version="1.0" encoding="utf-8"?>
-<p:sld xmlns:a="http://schemas.openxmlformats.org/drawingml/2006/main" xmlns:r="http://schemas.openxmlformats.org/officeDocument/2006/relationships" xmlns:p="http://schemas.openxmlformats.org/presentationml/2006/main">
-  <p:cSld>
-    <p:spTree>
-      <p:nvGrpSpPr>
-        <p:cNvPr id="1" name=""/>
-        <p:cNvGrpSpPr/>
-        <p:nvPr/>
-      </p:nvGrpSpPr>
-      <p:grpSpPr>
-        <a:xfrm>
-          <a:off x="0" y="0"/>
-          <a:ext cx="0" cy="0"/>
-          <a:chOff x="0" y="0"/>
-          <a:chExt cx="0" cy="0"/>
-        </a:xfrm>
-      </p:grpSpPr>
-      <p:sp>
-        <p:nvSpPr>
-          <p:cNvPr id="31746" name="Rectangle 1">
-            <a:extLst>
-              <a:ext uri="{FF2B5EF4-FFF2-40B4-BE49-F238E27FC236}">
-                <a16:creationId xmlns:a16="http://schemas.microsoft.com/office/drawing/2014/main" id="{2AD3DB76-E083-4A84-B3AA-020573475FE6}"/>
-              </a:ext>
-            </a:extLst>
-          </p:cNvPr>
-          <p:cNvSpPr>
-            <a:spLocks/>
-          </p:cNvSpPr>
-          <p:nvPr/>
-        </p:nvSpPr>
-        <p:spPr bwMode="auto">
-          <a:xfrm>
-            <a:off x="3122414" y="2259211"/>
-            <a:ext cx="5947172" cy="2339578"/>
-          </a:xfrm>
-          <a:prstGeom prst="rect">
-            <a:avLst/>
-          </a:prstGeom>
-          <a:noFill/>
-          <a:ln>
-            <a:noFill/>
-          </a:ln>
-          <a:extLst>
-            <a:ext uri="{909E8E84-426E-40DD-AFC4-6F175D3DCCD1}">
-              <a14:hiddenFill xmlns:a14="http://schemas.microsoft.com/office/drawing/2010/main">
-                <a:solidFill>
-                  <a:srgbClr val="FFFFFF"/>
-                </a:solidFill>
-              </a14:hiddenFill>
-            </a:ext>
-            <a:ext uri="{91240B29-F687-4F45-9708-019B960494DF}">
-              <a14:hiddenLine xmlns:a14="http://schemas.microsoft.com/office/drawing/2010/main" w="12700">
-                <a:solidFill>
-                  <a:schemeClr val="tx1"/>
-                </a:solidFill>
-                <a:miter lim="800000"/>
-                <a:headEnd/>
-                <a:tailEnd/>
-              </a14:hiddenLine>
-            </a:ext>
-          </a:extLst>
-        </p:spPr>
-        <p:txBody>
-          <a:bodyPr lIns="0" tIns="0" rIns="0" bIns="0" anchor="ctr"/>
-          <a:lstStyle>
-            <a:lvl1pPr>
-              <a:defRPr sz="4600">
-                <a:solidFill>
-                  <a:srgbClr val="2D4141"/>
-                </a:solidFill>
-                <a:latin typeface="Futura Condensed"/>
-                <a:ea typeface="ヒラギノ角ゴ ProN W3"/>
-                <a:cs typeface="ヒラギノ角ゴ ProN W3"/>
-                <a:sym typeface="Futura Condensed"/>
-              </a:defRPr>
-            </a:lvl1pPr>
-            <a:lvl2pPr marL="742950" indent="-285750">
-              <a:defRPr sz="4600">
-                <a:solidFill>
-                  <a:srgbClr val="2D4141"/>
-                </a:solidFill>
-                <a:latin typeface="Futura Condensed"/>
-                <a:ea typeface="ヒラギノ角ゴ ProN W3"/>
-                <a:cs typeface="ヒラギノ角ゴ ProN W3"/>
-                <a:sym typeface="Futura Condensed"/>
-              </a:defRPr>
-            </a:lvl2pPr>
-            <a:lvl3pPr marL="1143000" indent="-228600">
-              <a:defRPr sz="4600">
-                <a:solidFill>
-                  <a:srgbClr val="2D4141"/>
-                </a:solidFill>
-                <a:latin typeface="Futura Condensed"/>
-                <a:ea typeface="ヒラギノ角ゴ ProN W3"/>
-                <a:cs typeface="ヒラギノ角ゴ ProN W3"/>
-                <a:sym typeface="Futura Condensed"/>
-              </a:defRPr>
-            </a:lvl3pPr>
-            <a:lvl4pPr marL="1600200" indent="-228600">
-              <a:defRPr sz="4600">
-                <a:solidFill>
-                  <a:srgbClr val="2D4141"/>
-                </a:solidFill>
-                <a:latin typeface="Futura Condensed"/>
-                <a:ea typeface="ヒラギノ角ゴ ProN W3"/>
-                <a:cs typeface="ヒラギノ角ゴ ProN W3"/>
-                <a:sym typeface="Futura Condensed"/>
-              </a:defRPr>
-            </a:lvl4pPr>
-            <a:lvl5pPr marL="2057400" indent="-228600">
-              <a:defRPr sz="4600">
-                <a:solidFill>
-                  <a:srgbClr val="2D4141"/>
-                </a:solidFill>
-                <a:latin typeface="Futura Condensed"/>
-                <a:ea typeface="ヒラギノ角ゴ ProN W3"/>
-                <a:cs typeface="ヒラギノ角ゴ ProN W3"/>
-                <a:sym typeface="Futura Condensed"/>
-              </a:defRPr>
-            </a:lvl5pPr>
-            <a:lvl6pPr marL="2514600" indent="-228600" eaLnBrk="0" fontAlgn="base" hangingPunct="0">
-              <a:spcBef>
-                <a:spcPct val="0"/>
-              </a:spcBef>
-              <a:spcAft>
-                <a:spcPct val="0"/>
-              </a:spcAft>
-              <a:defRPr sz="4600">
-                <a:solidFill>
-                  <a:srgbClr val="2D4141"/>
-                </a:solidFill>
-                <a:latin typeface="Futura Condensed"/>
-                <a:ea typeface="ヒラギノ角ゴ ProN W3"/>
-                <a:cs typeface="ヒラギノ角ゴ ProN W3"/>
-                <a:sym typeface="Futura Condensed"/>
-              </a:defRPr>
-            </a:lvl6pPr>
-            <a:lvl7pPr marL="2971800" indent="-228600" eaLnBrk="0" fontAlgn="base" hangingPunct="0">
-              <a:spcBef>
-                <a:spcPct val="0"/>
-              </a:spcBef>
-              <a:spcAft>
-                <a:spcPct val="0"/>
-              </a:spcAft>
-              <a:defRPr sz="4600">
-                <a:solidFill>
-                  <a:srgbClr val="2D4141"/>
-                </a:solidFill>
-                <a:latin typeface="Futura Condensed"/>
-                <a:ea typeface="ヒラギノ角ゴ ProN W3"/>
-                <a:cs typeface="ヒラギノ角ゴ ProN W3"/>
-                <a:sym typeface="Futura Condensed"/>
-              </a:defRPr>
-            </a:lvl7pPr>
-            <a:lvl8pPr marL="3429000" indent="-228600" eaLnBrk="0" fontAlgn="base" hangingPunct="0">
-              <a:spcBef>
-                <a:spcPct val="0"/>
-              </a:spcBef>
-              <a:spcAft>
-                <a:spcPct val="0"/>
-              </a:spcAft>
-              <a:defRPr sz="4600">
-                <a:solidFill>
-                  <a:srgbClr val="2D4141"/>
-                </a:solidFill>
-                <a:latin typeface="Futura Condensed"/>
-                <a:ea typeface="ヒラギノ角ゴ ProN W3"/>
-                <a:cs typeface="ヒラギノ角ゴ ProN W3"/>
-                <a:sym typeface="Futura Condensed"/>
-              </a:defRPr>
-            </a:lvl8pPr>
-            <a:lvl9pPr marL="3886200" indent="-228600" eaLnBrk="0" fontAlgn="base" hangingPunct="0">
-              <a:spcBef>
-                <a:spcPct val="0"/>
-              </a:spcBef>
-              <a:spcAft>
-                <a:spcPct val="0"/>
-              </a:spcAft>
-              <a:defRPr sz="4600">
-                <a:solidFill>
-                  <a:srgbClr val="2D4141"/>
-                </a:solidFill>
-                <a:latin typeface="Futura Condensed"/>
-                <a:ea typeface="ヒラギノ角ゴ ProN W3"/>
-                <a:cs typeface="ヒラギノ角ゴ ProN W3"/>
-                <a:sym typeface="Futura Condensed"/>
-              </a:defRPr>
-            </a:lvl9pPr>
-          </a:lstStyle>
-          <a:p>
-            <a:pPr algn="ctr" eaLnBrk="1" hangingPunct="1"/>
-            <a:r>
-              <a:rPr lang="en-US" altLang="pt-BR" sz="5906" b="1" dirty="0">
-                <a:solidFill>
-                  <a:schemeClr val="tx1"/>
-                </a:solidFill>
-                <a:latin typeface="Gill Sans"/>
-                <a:ea typeface="MS PGothic" panose="020B0600070205080204" pitchFamily="34" charset="-128"/>
-                <a:sym typeface="Gill Sans"/>
-              </a:rPr>
-              <a:t>OMNETPP</a:t>
-            </a:r>
-          </a:p>
-        </p:txBody>
-      </p:sp>
-    </p:spTree>
-    <p:extLst>
-      <p:ext uri="{BB962C8B-B14F-4D97-AF65-F5344CB8AC3E}">
-        <p14:creationId xmlns:p14="http://schemas.microsoft.com/office/powerpoint/2010/main" val="964352771"/>
-      </p:ext>
-    </p:extLst>
-  </p:cSld>
-  <p:clrMapOvr>
-    <a:masterClrMapping/>
-  </p:clrMapOvr>
-</p:sld>
-</file>
-
 <file path=ppt/slides/slide13.xml><?xml version="1.0" encoding="utf-8"?>
 <p:sld xmlns:a="http://schemas.openxmlformats.org/drawingml/2006/main" xmlns:r="http://schemas.openxmlformats.org/officeDocument/2006/relationships" xmlns:p="http://schemas.openxmlformats.org/presentationml/2006/main">
   <p:cSld>
@@ -4816,101 +5038,197 @@
       </p:grpSpPr>
       <p:sp>
         <p:nvSpPr>
-          <p:cNvPr id="2" name="Título 1">
-            <a:extLst>
-              <a:ext uri="{FF2B5EF4-FFF2-40B4-BE49-F238E27FC236}">
-                <a16:creationId xmlns:a16="http://schemas.microsoft.com/office/drawing/2014/main" id="{DC32B1AA-4BD8-405C-8919-6523E273479F}"/>
+          <p:cNvPr id="31746" name="Rectangle 1">
+            <a:extLst>
+              <a:ext uri="{FF2B5EF4-FFF2-40B4-BE49-F238E27FC236}">
+                <a16:creationId xmlns:a16="http://schemas.microsoft.com/office/drawing/2014/main" id="{2AD3DB76-E083-4A84-B3AA-020573475FE6}"/>
               </a:ext>
             </a:extLst>
           </p:cNvPr>
           <p:cNvSpPr>
-            <a:spLocks noGrp="1"/>
-          </p:cNvSpPr>
-          <p:nvPr>
-            <p:ph type="title"/>
-          </p:nvPr>
-        </p:nvSpPr>
-        <p:spPr>
+            <a:spLocks/>
+          </p:cNvSpPr>
+          <p:nvPr/>
+        </p:nvSpPr>
+        <p:spPr bwMode="auto">
           <a:xfrm>
-            <a:off x="508552" y="305490"/>
-            <a:ext cx="11174896" cy="1325563"/>
-          </a:xfrm>
-        </p:spPr>
-        <p:txBody>
-          <a:bodyPr/>
-          <a:lstStyle/>
-          <a:p>
-            <a:r>
-              <a:rPr lang="pt-BR" dirty="0"/>
-              <a:t>PRINCIPAIS PARÂMETEROS INICIAIS PARA O OMNETPP</a:t>
-            </a:r>
-          </a:p>
-        </p:txBody>
-      </p:sp>
-      <p:pic>
-        <p:nvPicPr>
-          <p:cNvPr id="6" name="Imagem 5">
-            <a:extLst>
-              <a:ext uri="{FF2B5EF4-FFF2-40B4-BE49-F238E27FC236}">
-                <a16:creationId xmlns:a16="http://schemas.microsoft.com/office/drawing/2014/main" id="{55CB83A9-6438-415F-ABD5-2CF8060ED8EF}"/>
-              </a:ext>
-            </a:extLst>
-          </p:cNvPr>
-          <p:cNvPicPr>
-            <a:picLocks noChangeAspect="1"/>
-          </p:cNvPicPr>
-          <p:nvPr/>
-        </p:nvPicPr>
-        <p:blipFill>
-          <a:blip r:embed="rId2"/>
-          <a:stretch>
-            <a:fillRect/>
-          </a:stretch>
-        </p:blipFill>
-        <p:spPr>
-          <a:xfrm>
-            <a:off x="683315" y="1908934"/>
-            <a:ext cx="5219700" cy="3914775"/>
+            <a:off x="3122414" y="2259211"/>
+            <a:ext cx="5947172" cy="2339578"/>
           </a:xfrm>
           <a:prstGeom prst="rect">
             <a:avLst/>
           </a:prstGeom>
+          <a:noFill/>
+          <a:ln>
+            <a:noFill/>
+          </a:ln>
+          <a:extLst>
+            <a:ext uri="{909E8E84-426E-40DD-AFC4-6F175D3DCCD1}">
+              <a14:hiddenFill xmlns:a14="http://schemas.microsoft.com/office/drawing/2010/main">
+                <a:solidFill>
+                  <a:srgbClr val="FFFFFF"/>
+                </a:solidFill>
+              </a14:hiddenFill>
+            </a:ext>
+            <a:ext uri="{91240B29-F687-4F45-9708-019B960494DF}">
+              <a14:hiddenLine xmlns:a14="http://schemas.microsoft.com/office/drawing/2010/main" w="12700">
+                <a:solidFill>
+                  <a:schemeClr val="tx1"/>
+                </a:solidFill>
+                <a:miter lim="800000"/>
+                <a:headEnd/>
+                <a:tailEnd/>
+              </a14:hiddenLine>
+            </a:ext>
+          </a:extLst>
         </p:spPr>
-      </p:pic>
-      <p:pic>
-        <p:nvPicPr>
-          <p:cNvPr id="7" name="Imagem 6">
-            <a:extLst>
-              <a:ext uri="{FF2B5EF4-FFF2-40B4-BE49-F238E27FC236}">
-                <a16:creationId xmlns:a16="http://schemas.microsoft.com/office/drawing/2014/main" id="{5E8BA85B-21A3-4B5C-8082-6029083BBA1C}"/>
-              </a:ext>
-            </a:extLst>
-          </p:cNvPr>
-          <p:cNvPicPr>
-            <a:picLocks noChangeAspect="1"/>
-          </p:cNvPicPr>
-          <p:nvPr/>
-        </p:nvPicPr>
-        <p:blipFill>
-          <a:blip r:embed="rId3"/>
-          <a:stretch>
-            <a:fillRect/>
-          </a:stretch>
-        </p:blipFill>
-        <p:spPr>
-          <a:xfrm>
-            <a:off x="5903015" y="1908934"/>
-            <a:ext cx="5172075" cy="4191000"/>
-          </a:xfrm>
-          <a:prstGeom prst="rect">
-            <a:avLst/>
-          </a:prstGeom>
-        </p:spPr>
-      </p:pic>
+        <p:txBody>
+          <a:bodyPr lIns="0" tIns="0" rIns="0" bIns="0" anchor="ctr"/>
+          <a:lstStyle>
+            <a:lvl1pPr>
+              <a:defRPr sz="4600">
+                <a:solidFill>
+                  <a:srgbClr val="2D4141"/>
+                </a:solidFill>
+                <a:latin typeface="Futura Condensed"/>
+                <a:ea typeface="ヒラギノ角ゴ ProN W3"/>
+                <a:cs typeface="ヒラギノ角ゴ ProN W3"/>
+                <a:sym typeface="Futura Condensed"/>
+              </a:defRPr>
+            </a:lvl1pPr>
+            <a:lvl2pPr marL="742950" indent="-285750">
+              <a:defRPr sz="4600">
+                <a:solidFill>
+                  <a:srgbClr val="2D4141"/>
+                </a:solidFill>
+                <a:latin typeface="Futura Condensed"/>
+                <a:ea typeface="ヒラギノ角ゴ ProN W3"/>
+                <a:cs typeface="ヒラギノ角ゴ ProN W3"/>
+                <a:sym typeface="Futura Condensed"/>
+              </a:defRPr>
+            </a:lvl2pPr>
+            <a:lvl3pPr marL="1143000" indent="-228600">
+              <a:defRPr sz="4600">
+                <a:solidFill>
+                  <a:srgbClr val="2D4141"/>
+                </a:solidFill>
+                <a:latin typeface="Futura Condensed"/>
+                <a:ea typeface="ヒラギノ角ゴ ProN W3"/>
+                <a:cs typeface="ヒラギノ角ゴ ProN W3"/>
+                <a:sym typeface="Futura Condensed"/>
+              </a:defRPr>
+            </a:lvl3pPr>
+            <a:lvl4pPr marL="1600200" indent="-228600">
+              <a:defRPr sz="4600">
+                <a:solidFill>
+                  <a:srgbClr val="2D4141"/>
+                </a:solidFill>
+                <a:latin typeface="Futura Condensed"/>
+                <a:ea typeface="ヒラギノ角ゴ ProN W3"/>
+                <a:cs typeface="ヒラギノ角ゴ ProN W3"/>
+                <a:sym typeface="Futura Condensed"/>
+              </a:defRPr>
+            </a:lvl4pPr>
+            <a:lvl5pPr marL="2057400" indent="-228600">
+              <a:defRPr sz="4600">
+                <a:solidFill>
+                  <a:srgbClr val="2D4141"/>
+                </a:solidFill>
+                <a:latin typeface="Futura Condensed"/>
+                <a:ea typeface="ヒラギノ角ゴ ProN W3"/>
+                <a:cs typeface="ヒラギノ角ゴ ProN W3"/>
+                <a:sym typeface="Futura Condensed"/>
+              </a:defRPr>
+            </a:lvl5pPr>
+            <a:lvl6pPr marL="2514600" indent="-228600" eaLnBrk="0" fontAlgn="base" hangingPunct="0">
+              <a:spcBef>
+                <a:spcPct val="0"/>
+              </a:spcBef>
+              <a:spcAft>
+                <a:spcPct val="0"/>
+              </a:spcAft>
+              <a:defRPr sz="4600">
+                <a:solidFill>
+                  <a:srgbClr val="2D4141"/>
+                </a:solidFill>
+                <a:latin typeface="Futura Condensed"/>
+                <a:ea typeface="ヒラギノ角ゴ ProN W3"/>
+                <a:cs typeface="ヒラギノ角ゴ ProN W3"/>
+                <a:sym typeface="Futura Condensed"/>
+              </a:defRPr>
+            </a:lvl6pPr>
+            <a:lvl7pPr marL="2971800" indent="-228600" eaLnBrk="0" fontAlgn="base" hangingPunct="0">
+              <a:spcBef>
+                <a:spcPct val="0"/>
+              </a:spcBef>
+              <a:spcAft>
+                <a:spcPct val="0"/>
+              </a:spcAft>
+              <a:defRPr sz="4600">
+                <a:solidFill>
+                  <a:srgbClr val="2D4141"/>
+                </a:solidFill>
+                <a:latin typeface="Futura Condensed"/>
+                <a:ea typeface="ヒラギノ角ゴ ProN W3"/>
+                <a:cs typeface="ヒラギノ角ゴ ProN W3"/>
+                <a:sym typeface="Futura Condensed"/>
+              </a:defRPr>
+            </a:lvl7pPr>
+            <a:lvl8pPr marL="3429000" indent="-228600" eaLnBrk="0" fontAlgn="base" hangingPunct="0">
+              <a:spcBef>
+                <a:spcPct val="0"/>
+              </a:spcBef>
+              <a:spcAft>
+                <a:spcPct val="0"/>
+              </a:spcAft>
+              <a:defRPr sz="4600">
+                <a:solidFill>
+                  <a:srgbClr val="2D4141"/>
+                </a:solidFill>
+                <a:latin typeface="Futura Condensed"/>
+                <a:ea typeface="ヒラギノ角ゴ ProN W3"/>
+                <a:cs typeface="ヒラギノ角ゴ ProN W3"/>
+                <a:sym typeface="Futura Condensed"/>
+              </a:defRPr>
+            </a:lvl8pPr>
+            <a:lvl9pPr marL="3886200" indent="-228600" eaLnBrk="0" fontAlgn="base" hangingPunct="0">
+              <a:spcBef>
+                <a:spcPct val="0"/>
+              </a:spcBef>
+              <a:spcAft>
+                <a:spcPct val="0"/>
+              </a:spcAft>
+              <a:defRPr sz="4600">
+                <a:solidFill>
+                  <a:srgbClr val="2D4141"/>
+                </a:solidFill>
+                <a:latin typeface="Futura Condensed"/>
+                <a:ea typeface="ヒラギノ角ゴ ProN W3"/>
+                <a:cs typeface="ヒラギノ角ゴ ProN W3"/>
+                <a:sym typeface="Futura Condensed"/>
+              </a:defRPr>
+            </a:lvl9pPr>
+          </a:lstStyle>
+          <a:p>
+            <a:pPr algn="ctr" eaLnBrk="1" hangingPunct="1"/>
+            <a:r>
+              <a:rPr lang="en-US" altLang="pt-BR" sz="5906" b="1" dirty="0">
+                <a:solidFill>
+                  <a:schemeClr val="tx1"/>
+                </a:solidFill>
+                <a:latin typeface="Gill Sans"/>
+                <a:ea typeface="MS PGothic" panose="020B0600070205080204" pitchFamily="34" charset="-128"/>
+                <a:sym typeface="Gill Sans"/>
+              </a:rPr>
+              <a:t>OMNETPP</a:t>
+            </a:r>
+          </a:p>
+        </p:txBody>
+      </p:sp>
     </p:spTree>
     <p:extLst>
       <p:ext uri="{BB962C8B-B14F-4D97-AF65-F5344CB8AC3E}">
-        <p14:creationId xmlns:p14="http://schemas.microsoft.com/office/powerpoint/2010/main" val="3354259283"/>
+        <p14:creationId xmlns:p14="http://schemas.microsoft.com/office/powerpoint/2010/main" val="964352771"/>
       </p:ext>
     </p:extLst>
   </p:cSld>
@@ -4937,12 +5255,45 @@
           <a:chExt cx="0" cy="0"/>
         </a:xfrm>
       </p:grpSpPr>
+      <p:sp>
+        <p:nvSpPr>
+          <p:cNvPr id="2" name="Título 1">
+            <a:extLst>
+              <a:ext uri="{FF2B5EF4-FFF2-40B4-BE49-F238E27FC236}">
+                <a16:creationId xmlns:a16="http://schemas.microsoft.com/office/drawing/2014/main" id="{DC32B1AA-4BD8-405C-8919-6523E273479F}"/>
+              </a:ext>
+            </a:extLst>
+          </p:cNvPr>
+          <p:cNvSpPr>
+            <a:spLocks noGrp="1"/>
+          </p:cNvSpPr>
+          <p:nvPr>
+            <p:ph type="title"/>
+          </p:nvPr>
+        </p:nvSpPr>
+        <p:spPr>
+          <a:xfrm>
+            <a:off x="508552" y="305490"/>
+            <a:ext cx="11174896" cy="1325563"/>
+          </a:xfrm>
+        </p:spPr>
+        <p:txBody>
+          <a:bodyPr/>
+          <a:lstStyle/>
+          <a:p>
+            <a:r>
+              <a:rPr lang="pt-BR" dirty="0"/>
+              <a:t>PRINCIPAIS PARÂMETEROS INICIAIS PARA O OMNETPP</a:t>
+            </a:r>
+          </a:p>
+        </p:txBody>
+      </p:sp>
       <p:pic>
         <p:nvPicPr>
-          <p:cNvPr id="5" name="Imagem 4">
-            <a:extLst>
-              <a:ext uri="{FF2B5EF4-FFF2-40B4-BE49-F238E27FC236}">
-                <a16:creationId xmlns:a16="http://schemas.microsoft.com/office/drawing/2014/main" id="{B2CD7556-4859-4FEE-AD60-F1853E7B7E8B}"/>
+          <p:cNvPr id="6" name="Imagem 5">
+            <a:extLst>
+              <a:ext uri="{FF2B5EF4-FFF2-40B4-BE49-F238E27FC236}">
+                <a16:creationId xmlns:a16="http://schemas.microsoft.com/office/drawing/2014/main" id="{55CB83A9-6438-415F-ABD5-2CF8060ED8EF}"/>
               </a:ext>
             </a:extLst>
           </p:cNvPr>
@@ -4959,53 +5310,48 @@
         </p:blipFill>
         <p:spPr>
           <a:xfrm>
-            <a:off x="1402989" y="194462"/>
-            <a:ext cx="9013220" cy="6469076"/>
+            <a:off x="683315" y="1908934"/>
+            <a:ext cx="5219700" cy="3914775"/>
           </a:xfrm>
           <a:prstGeom prst="rect">
             <a:avLst/>
           </a:prstGeom>
         </p:spPr>
       </p:pic>
-      <p:sp>
-        <p:nvSpPr>
-          <p:cNvPr id="4" name="Título 3">
-            <a:extLst>
-              <a:ext uri="{FF2B5EF4-FFF2-40B4-BE49-F238E27FC236}">
-                <a16:creationId xmlns:a16="http://schemas.microsoft.com/office/drawing/2014/main" id="{2285FE46-F529-40CC-A820-EDBCA165031E}"/>
-              </a:ext>
-            </a:extLst>
-          </p:cNvPr>
-          <p:cNvSpPr>
-            <a:spLocks noGrp="1"/>
-          </p:cNvSpPr>
-          <p:nvPr>
-            <p:ph type="title"/>
-          </p:nvPr>
-        </p:nvSpPr>
+      <p:pic>
+        <p:nvPicPr>
+          <p:cNvPr id="7" name="Imagem 6">
+            <a:extLst>
+              <a:ext uri="{FF2B5EF4-FFF2-40B4-BE49-F238E27FC236}">
+                <a16:creationId xmlns:a16="http://schemas.microsoft.com/office/drawing/2014/main" id="{5E8BA85B-21A3-4B5C-8082-6029083BBA1C}"/>
+              </a:ext>
+            </a:extLst>
+          </p:cNvPr>
+          <p:cNvPicPr>
+            <a:picLocks noChangeAspect="1"/>
+          </p:cNvPicPr>
+          <p:nvPr/>
+        </p:nvPicPr>
+        <p:blipFill>
+          <a:blip r:embed="rId3"/>
+          <a:stretch>
+            <a:fillRect/>
+          </a:stretch>
+        </p:blipFill>
         <p:spPr>
-          <a:xfrm rot="16200000">
-            <a:off x="-4051852" y="742956"/>
-            <a:ext cx="10515600" cy="1325563"/>
+          <a:xfrm>
+            <a:off x="5903015" y="1908934"/>
+            <a:ext cx="5172075" cy="4191000"/>
           </a:xfrm>
+          <a:prstGeom prst="rect">
+            <a:avLst/>
+          </a:prstGeom>
         </p:spPr>
-        <p:txBody>
-          <a:bodyPr>
-            <a:normAutofit/>
-          </a:bodyPr>
-          <a:lstStyle/>
-          <a:p>
-            <a:r>
-              <a:rPr lang="pt-BR" sz="3200" b="1" dirty="0"/>
-              <a:t>OMNETPP: Energia vs Distância</a:t>
-            </a:r>
-          </a:p>
-        </p:txBody>
-      </p:sp>
+      </p:pic>
     </p:spTree>
     <p:extLst>
       <p:ext uri="{BB962C8B-B14F-4D97-AF65-F5344CB8AC3E}">
-        <p14:creationId xmlns:p14="http://schemas.microsoft.com/office/powerpoint/2010/main" val="1364121694"/>
+        <p14:creationId xmlns:p14="http://schemas.microsoft.com/office/powerpoint/2010/main" val="3354259283"/>
       </p:ext>
     </p:extLst>
   </p:cSld>
@@ -5120,196 +5466,194 @@
           <a:chExt cx="0" cy="0"/>
         </a:xfrm>
       </p:grpSpPr>
-      <p:sp>
-        <p:nvSpPr>
-          <p:cNvPr id="38914" name="Rectangle 1">
-            <a:extLst>
-              <a:ext uri="{FF2B5EF4-FFF2-40B4-BE49-F238E27FC236}">
-                <a16:creationId xmlns:a16="http://schemas.microsoft.com/office/drawing/2014/main" id="{29DACD76-DC12-40EF-8EB7-1615390E5213}"/>
+      <p:pic>
+        <p:nvPicPr>
+          <p:cNvPr id="5" name="Imagem 4">
+            <a:extLst>
+              <a:ext uri="{FF2B5EF4-FFF2-40B4-BE49-F238E27FC236}">
+                <a16:creationId xmlns:a16="http://schemas.microsoft.com/office/drawing/2014/main" id="{B2CD7556-4859-4FEE-AD60-F1853E7B7E8B}"/>
+              </a:ext>
+            </a:extLst>
+          </p:cNvPr>
+          <p:cNvPicPr>
+            <a:picLocks noChangeAspect="1"/>
+          </p:cNvPicPr>
+          <p:nvPr/>
+        </p:nvPicPr>
+        <p:blipFill>
+          <a:blip r:embed="rId2"/>
+          <a:stretch>
+            <a:fillRect/>
+          </a:stretch>
+        </p:blipFill>
+        <p:spPr>
+          <a:xfrm>
+            <a:off x="1402989" y="194462"/>
+            <a:ext cx="9013220" cy="6469076"/>
+          </a:xfrm>
+          <a:prstGeom prst="rect">
+            <a:avLst/>
+          </a:prstGeom>
+        </p:spPr>
+      </p:pic>
+      <p:sp>
+        <p:nvSpPr>
+          <p:cNvPr id="4" name="Título 3">
+            <a:extLst>
+              <a:ext uri="{FF2B5EF4-FFF2-40B4-BE49-F238E27FC236}">
+                <a16:creationId xmlns:a16="http://schemas.microsoft.com/office/drawing/2014/main" id="{2285FE46-F529-40CC-A820-EDBCA165031E}"/>
               </a:ext>
             </a:extLst>
           </p:cNvPr>
           <p:cNvSpPr>
-            <a:spLocks/>
-          </p:cNvSpPr>
+            <a:spLocks noGrp="1"/>
+          </p:cNvSpPr>
+          <p:nvPr>
+            <p:ph type="title"/>
+          </p:nvPr>
+        </p:nvSpPr>
+        <p:spPr>
+          <a:xfrm rot="16200000">
+            <a:off x="-4051852" y="742956"/>
+            <a:ext cx="10515600" cy="1325563"/>
+          </a:xfrm>
+        </p:spPr>
+        <p:txBody>
+          <a:bodyPr>
+            <a:normAutofit/>
+          </a:bodyPr>
+          <a:lstStyle/>
+          <a:p>
+            <a:r>
+              <a:rPr lang="pt-BR" sz="3200" b="1" dirty="0"/>
+              <a:t>OMNETPP: Energia vs Distância</a:t>
+            </a:r>
+          </a:p>
+        </p:txBody>
+      </p:sp>
+      <p:cxnSp>
+        <p:nvCxnSpPr>
+          <p:cNvPr id="3" name="Conector reto 2">
+            <a:extLst>
+              <a:ext uri="{FF2B5EF4-FFF2-40B4-BE49-F238E27FC236}">
+                <a16:creationId xmlns:a16="http://schemas.microsoft.com/office/drawing/2014/main" id="{F74B1A00-F66E-4C69-A0C3-EF81C086736F}"/>
+              </a:ext>
+            </a:extLst>
+          </p:cNvPr>
+          <p:cNvCxnSpPr>
+            <a:cxnSpLocks/>
+          </p:cNvCxnSpPr>
           <p:nvPr/>
-        </p:nvSpPr>
-        <p:spPr bwMode="auto">
+        </p:nvCxnSpPr>
+        <p:spPr>
           <a:xfrm>
-            <a:off x="3122414" y="2259211"/>
-            <a:ext cx="5947172" cy="2339578"/>
+            <a:off x="2660073" y="3865404"/>
+            <a:ext cx="7100459" cy="0"/>
+          </a:xfrm>
+          <a:prstGeom prst="line">
+            <a:avLst/>
+          </a:prstGeom>
+        </p:spPr>
+        <p:style>
+          <a:lnRef idx="1">
+            <a:schemeClr val="accent1"/>
+          </a:lnRef>
+          <a:fillRef idx="0">
+            <a:schemeClr val="accent1"/>
+          </a:fillRef>
+          <a:effectRef idx="0">
+            <a:schemeClr val="accent1"/>
+          </a:effectRef>
+          <a:fontRef idx="minor">
+            <a:schemeClr val="tx1"/>
+          </a:fontRef>
+        </p:style>
+      </p:cxnSp>
+      <p:sp>
+        <p:nvSpPr>
+          <p:cNvPr id="8" name="Chave Direita 7">
+            <a:extLst>
+              <a:ext uri="{FF2B5EF4-FFF2-40B4-BE49-F238E27FC236}">
+                <a16:creationId xmlns:a16="http://schemas.microsoft.com/office/drawing/2014/main" id="{1384F741-1E19-4538-BC77-C485D4AE739C}"/>
+              </a:ext>
+            </a:extLst>
+          </p:cNvPr>
+          <p:cNvSpPr/>
+          <p:nvPr/>
+        </p:nvSpPr>
+        <p:spPr>
+          <a:xfrm>
+            <a:off x="9760532" y="3865404"/>
+            <a:ext cx="242450" cy="1648698"/>
+          </a:xfrm>
+          <a:prstGeom prst="rightBrace">
+            <a:avLst/>
+          </a:prstGeom>
+        </p:spPr>
+        <p:style>
+          <a:lnRef idx="1">
+            <a:schemeClr val="accent1"/>
+          </a:lnRef>
+          <a:fillRef idx="0">
+            <a:schemeClr val="accent1"/>
+          </a:fillRef>
+          <a:effectRef idx="0">
+            <a:schemeClr val="accent1"/>
+          </a:effectRef>
+          <a:fontRef idx="minor">
+            <a:schemeClr val="tx1"/>
+          </a:fontRef>
+        </p:style>
+        <p:txBody>
+          <a:bodyPr rtlCol="0" anchor="ctr"/>
+          <a:lstStyle/>
+          <a:p>
+            <a:pPr algn="ctr"/>
+            <a:endParaRPr lang="pt-BR"/>
+          </a:p>
+        </p:txBody>
+      </p:sp>
+      <p:sp>
+        <p:nvSpPr>
+          <p:cNvPr id="9" name="CaixaDeTexto 8">
+            <a:extLst>
+              <a:ext uri="{FF2B5EF4-FFF2-40B4-BE49-F238E27FC236}">
+                <a16:creationId xmlns:a16="http://schemas.microsoft.com/office/drawing/2014/main" id="{31CAC5DA-4A07-467D-A097-BE55A56D03FD}"/>
+              </a:ext>
+            </a:extLst>
+          </p:cNvPr>
+          <p:cNvSpPr txBox="1"/>
+          <p:nvPr/>
+        </p:nvSpPr>
+        <p:spPr>
+          <a:xfrm>
+            <a:off x="10224655" y="4502727"/>
+            <a:ext cx="1424179" cy="646331"/>
           </a:xfrm>
           <a:prstGeom prst="rect">
             <a:avLst/>
           </a:prstGeom>
           <a:noFill/>
-          <a:ln>
-            <a:noFill/>
-          </a:ln>
-          <a:extLst>
-            <a:ext uri="{909E8E84-426E-40DD-AFC4-6F175D3DCCD1}">
-              <a14:hiddenFill xmlns:a14="http://schemas.microsoft.com/office/drawing/2010/main">
-                <a:solidFill>
-                  <a:srgbClr val="FFFFFF"/>
-                </a:solidFill>
-              </a14:hiddenFill>
-            </a:ext>
-            <a:ext uri="{91240B29-F687-4F45-9708-019B960494DF}">
-              <a14:hiddenLine xmlns:a14="http://schemas.microsoft.com/office/drawing/2010/main" w="12700">
-                <a:solidFill>
-                  <a:schemeClr val="tx1"/>
-                </a:solidFill>
-                <a:miter lim="800000"/>
-                <a:headEnd/>
-                <a:tailEnd/>
-              </a14:hiddenLine>
-            </a:ext>
-          </a:extLst>
         </p:spPr>
         <p:txBody>
-          <a:bodyPr lIns="0" tIns="0" rIns="0" bIns="0" anchor="ctr"/>
-          <a:lstStyle>
-            <a:lvl1pPr>
-              <a:defRPr sz="4600">
-                <a:solidFill>
-                  <a:srgbClr val="2D4141"/>
-                </a:solidFill>
-                <a:latin typeface="Futura Condensed"/>
-                <a:ea typeface="ヒラギノ角ゴ ProN W3"/>
-                <a:cs typeface="ヒラギノ角ゴ ProN W3"/>
-                <a:sym typeface="Futura Condensed"/>
-              </a:defRPr>
-            </a:lvl1pPr>
-            <a:lvl2pPr marL="742950" indent="-285750">
-              <a:defRPr sz="4600">
-                <a:solidFill>
-                  <a:srgbClr val="2D4141"/>
-                </a:solidFill>
-                <a:latin typeface="Futura Condensed"/>
-                <a:ea typeface="ヒラギノ角ゴ ProN W3"/>
-                <a:cs typeface="ヒラギノ角ゴ ProN W3"/>
-                <a:sym typeface="Futura Condensed"/>
-              </a:defRPr>
-            </a:lvl2pPr>
-            <a:lvl3pPr marL="1143000" indent="-228600">
-              <a:defRPr sz="4600">
-                <a:solidFill>
-                  <a:srgbClr val="2D4141"/>
-                </a:solidFill>
-                <a:latin typeface="Futura Condensed"/>
-                <a:ea typeface="ヒラギノ角ゴ ProN W3"/>
-                <a:cs typeface="ヒラギノ角ゴ ProN W3"/>
-                <a:sym typeface="Futura Condensed"/>
-              </a:defRPr>
-            </a:lvl3pPr>
-            <a:lvl4pPr marL="1600200" indent="-228600">
-              <a:defRPr sz="4600">
-                <a:solidFill>
-                  <a:srgbClr val="2D4141"/>
-                </a:solidFill>
-                <a:latin typeface="Futura Condensed"/>
-                <a:ea typeface="ヒラギノ角ゴ ProN W3"/>
-                <a:cs typeface="ヒラギノ角ゴ ProN W3"/>
-                <a:sym typeface="Futura Condensed"/>
-              </a:defRPr>
-            </a:lvl4pPr>
-            <a:lvl5pPr marL="2057400" indent="-228600">
-              <a:defRPr sz="4600">
-                <a:solidFill>
-                  <a:srgbClr val="2D4141"/>
-                </a:solidFill>
-                <a:latin typeface="Futura Condensed"/>
-                <a:ea typeface="ヒラギノ角ゴ ProN W3"/>
-                <a:cs typeface="ヒラギノ角ゴ ProN W3"/>
-                <a:sym typeface="Futura Condensed"/>
-              </a:defRPr>
-            </a:lvl5pPr>
-            <a:lvl6pPr marL="2514600" indent="-228600" eaLnBrk="0" fontAlgn="base" hangingPunct="0">
-              <a:spcBef>
-                <a:spcPct val="0"/>
-              </a:spcBef>
-              <a:spcAft>
-                <a:spcPct val="0"/>
-              </a:spcAft>
-              <a:defRPr sz="4600">
-                <a:solidFill>
-                  <a:srgbClr val="2D4141"/>
-                </a:solidFill>
-                <a:latin typeface="Futura Condensed"/>
-                <a:ea typeface="ヒラギノ角ゴ ProN W3"/>
-                <a:cs typeface="ヒラギノ角ゴ ProN W3"/>
-                <a:sym typeface="Futura Condensed"/>
-              </a:defRPr>
-            </a:lvl6pPr>
-            <a:lvl7pPr marL="2971800" indent="-228600" eaLnBrk="0" fontAlgn="base" hangingPunct="0">
-              <a:spcBef>
-                <a:spcPct val="0"/>
-              </a:spcBef>
-              <a:spcAft>
-                <a:spcPct val="0"/>
-              </a:spcAft>
-              <a:defRPr sz="4600">
-                <a:solidFill>
-                  <a:srgbClr val="2D4141"/>
-                </a:solidFill>
-                <a:latin typeface="Futura Condensed"/>
-                <a:ea typeface="ヒラギノ角ゴ ProN W3"/>
-                <a:cs typeface="ヒラギノ角ゴ ProN W3"/>
-                <a:sym typeface="Futura Condensed"/>
-              </a:defRPr>
-            </a:lvl7pPr>
-            <a:lvl8pPr marL="3429000" indent="-228600" eaLnBrk="0" fontAlgn="base" hangingPunct="0">
-              <a:spcBef>
-                <a:spcPct val="0"/>
-              </a:spcBef>
-              <a:spcAft>
-                <a:spcPct val="0"/>
-              </a:spcAft>
-              <a:defRPr sz="4600">
-                <a:solidFill>
-                  <a:srgbClr val="2D4141"/>
-                </a:solidFill>
-                <a:latin typeface="Futura Condensed"/>
-                <a:ea typeface="ヒラギノ角ゴ ProN W3"/>
-                <a:cs typeface="ヒラギノ角ゴ ProN W3"/>
-                <a:sym typeface="Futura Condensed"/>
-              </a:defRPr>
-            </a:lvl8pPr>
-            <a:lvl9pPr marL="3886200" indent="-228600" eaLnBrk="0" fontAlgn="base" hangingPunct="0">
-              <a:spcBef>
-                <a:spcPct val="0"/>
-              </a:spcBef>
-              <a:spcAft>
-                <a:spcPct val="0"/>
-              </a:spcAft>
-              <a:defRPr sz="4600">
-                <a:solidFill>
-                  <a:srgbClr val="2D4141"/>
-                </a:solidFill>
-                <a:latin typeface="Futura Condensed"/>
-                <a:ea typeface="ヒラギノ角ゴ ProN W3"/>
-                <a:cs typeface="ヒラギノ角ゴ ProN W3"/>
-                <a:sym typeface="Futura Condensed"/>
-              </a:defRPr>
-            </a:lvl9pPr>
-          </a:lstStyle>
-          <a:p>
-            <a:pPr algn="ctr" eaLnBrk="1" hangingPunct="1"/>
-            <a:r>
-              <a:rPr lang="en-US" altLang="pt-BR" sz="5906" b="1">
-                <a:solidFill>
-                  <a:schemeClr val="tx1"/>
-                </a:solidFill>
-                <a:latin typeface="Gill Sans"/>
-                <a:ea typeface="MS PGothic" panose="020B0600070205080204" pitchFamily="34" charset="-128"/>
-                <a:sym typeface="Gill Sans"/>
-              </a:rPr>
-              <a:t>Conclusões</a:t>
+          <a:bodyPr wrap="square" rtlCol="0">
+            <a:spAutoFit/>
+          </a:bodyPr>
+          <a:lstStyle/>
+          <a:p>
+            <a:r>
+              <a:rPr lang="pt-BR" dirty="0"/>
+              <a:t>Não considerar</a:t>
             </a:r>
           </a:p>
         </p:txBody>
       </p:sp>
     </p:spTree>
+    <p:extLst>
+      <p:ext uri="{BB962C8B-B14F-4D97-AF65-F5344CB8AC3E}">
+        <p14:creationId xmlns:p14="http://schemas.microsoft.com/office/powerpoint/2010/main" val="1364121694"/>
+      </p:ext>
+    </p:extLst>
   </p:cSld>
   <p:clrMapOvr>
     <a:masterClrMapping/>
@@ -5336,26 +5680,30 @@
       </p:grpSpPr>
       <p:sp>
         <p:nvSpPr>
-          <p:cNvPr id="39938" name="Espaço Reservado para Conteúdo 2">
-            <a:extLst>
-              <a:ext uri="{FF2B5EF4-FFF2-40B4-BE49-F238E27FC236}">
-                <a16:creationId xmlns:a16="http://schemas.microsoft.com/office/drawing/2014/main" id="{3019256B-0CA0-4DF9-AEBB-3092A16BACE6}"/>
+          <p:cNvPr id="38914" name="Rectangle 1">
+            <a:extLst>
+              <a:ext uri="{FF2B5EF4-FFF2-40B4-BE49-F238E27FC236}">
+                <a16:creationId xmlns:a16="http://schemas.microsoft.com/office/drawing/2014/main" id="{29DACD76-DC12-40EF-8EB7-1615390E5213}"/>
               </a:ext>
             </a:extLst>
           </p:cNvPr>
           <p:cNvSpPr>
-            <a:spLocks noGrp="1" noChangeArrowheads="1"/>
-          </p:cNvSpPr>
-          <p:nvPr>
-            <p:ph idx="1"/>
-          </p:nvPr>
+            <a:spLocks/>
+          </p:cNvSpPr>
+          <p:nvPr/>
         </p:nvSpPr>
         <p:spPr bwMode="auto">
           <a:xfrm>
-            <a:off x="1981647" y="984498"/>
-            <a:ext cx="8228707" cy="4889004"/>
+            <a:off x="3122414" y="2259211"/>
+            <a:ext cx="5947172" cy="2339578"/>
           </a:xfrm>
+          <a:prstGeom prst="rect">
+            <a:avLst/>
+          </a:prstGeom>
           <a:noFill/>
+          <a:ln>
+            <a:noFill/>
+          </a:ln>
           <a:extLst>
             <a:ext uri="{909E8E84-426E-40DD-AFC4-6F175D3DCCD1}">
               <a14:hiddenFill xmlns:a14="http://schemas.microsoft.com/office/drawing/2010/main">
@@ -5365,9 +5713,9 @@
               </a14:hiddenFill>
             </a:ext>
             <a:ext uri="{91240B29-F687-4F45-9708-019B960494DF}">
-              <a14:hiddenLine xmlns:a14="http://schemas.microsoft.com/office/drawing/2010/main" w="9525">
-                <a:solidFill>
-                  <a:srgbClr val="000000"/>
+              <a14:hiddenLine xmlns:a14="http://schemas.microsoft.com/office/drawing/2010/main" w="12700">
+                <a:solidFill>
+                  <a:schemeClr val="tx1"/>
                 </a:solidFill>
                 <a:miter lim="800000"/>
                 <a:headEnd/>
@@ -5377,246 +5725,145 @@
           </a:extLst>
         </p:spPr>
         <p:txBody>
-          <a:bodyPr vert="horz" wrap="square" lIns="64294" tIns="32147" rIns="64294" bIns="32147" numCol="1" rtlCol="0" anchor="t" anchorCtr="0" compatLnSpc="1">
-            <a:prstTxWarp prst="textNoShape">
-              <a:avLst/>
-            </a:prstTxWarp>
-            <a:normAutofit/>
-          </a:bodyPr>
-          <a:lstStyle/>
-          <a:p>
-            <a:r>
-              <a:rPr lang="pt-BR" altLang="pt-BR" dirty="0"/>
-              <a:t>Não foram encontrados evidências que há variação de energia consumida baseado na variação de distância até o </a:t>
-            </a:r>
-            <a:r>
-              <a:rPr lang="pt-BR" altLang="pt-BR" dirty="0" err="1"/>
-              <a:t>Rx</a:t>
-            </a:r>
-            <a:r>
-              <a:rPr lang="pt-BR" altLang="pt-BR" dirty="0"/>
-              <a:t>.</a:t>
-            </a:r>
-          </a:p>
-          <a:p>
-            <a:endParaRPr lang="pt-BR" altLang="pt-BR" dirty="0"/>
-          </a:p>
-          <a:p>
-            <a:r>
-              <a:rPr lang="pt-BR" altLang="pt-BR" dirty="0"/>
-              <a:t>Pode haver diferença de consumo de energia se comparado contra características de versão </a:t>
-            </a:r>
-            <a:r>
-              <a:rPr lang="pt-BR" altLang="pt-BR" dirty="0" err="1"/>
-              <a:t>Wifi</a:t>
-            </a:r>
-            <a:endParaRPr lang="pt-BR" altLang="pt-BR" dirty="0"/>
-          </a:p>
-        </p:txBody>
-      </p:sp>
-      <p:sp>
-        <p:nvSpPr>
-          <p:cNvPr id="4" name="Title 2">
-            <a:extLst>
-              <a:ext uri="{FF2B5EF4-FFF2-40B4-BE49-F238E27FC236}">
-                <a16:creationId xmlns:a16="http://schemas.microsoft.com/office/drawing/2014/main" id="{98E77854-030B-42D6-A188-C97349F5976D}"/>
-              </a:ext>
-            </a:extLst>
-          </p:cNvPr>
-          <p:cNvSpPr txBox="1">
-            <a:spLocks/>
-          </p:cNvSpPr>
-          <p:nvPr/>
-        </p:nvSpPr>
-        <p:spPr>
-          <a:xfrm>
-            <a:off x="2446351" y="273856"/>
-            <a:ext cx="7299297" cy="961982"/>
-          </a:xfrm>
-          <a:prstGeom prst="rect">
-            <a:avLst/>
-          </a:prstGeom>
-        </p:spPr>
-        <p:txBody>
-          <a:bodyPr>
-            <a:normAutofit/>
-          </a:bodyPr>
+          <a:bodyPr lIns="0" tIns="0" rIns="0" bIns="0" anchor="ctr"/>
           <a:lstStyle>
-            <a:lvl1pPr algn="ctr" rtl="0" eaLnBrk="0" fontAlgn="base" hangingPunct="0">
+            <a:lvl1pPr>
+              <a:defRPr sz="4600">
+                <a:solidFill>
+                  <a:srgbClr val="2D4141"/>
+                </a:solidFill>
+                <a:latin typeface="Futura Condensed"/>
+                <a:ea typeface="ヒラギノ角ゴ ProN W3"/>
+                <a:cs typeface="ヒラギノ角ゴ ProN W3"/>
+                <a:sym typeface="Futura Condensed"/>
+              </a:defRPr>
+            </a:lvl1pPr>
+            <a:lvl2pPr marL="742950" indent="-285750">
+              <a:defRPr sz="4600">
+                <a:solidFill>
+                  <a:srgbClr val="2D4141"/>
+                </a:solidFill>
+                <a:latin typeface="Futura Condensed"/>
+                <a:ea typeface="ヒラギノ角ゴ ProN W3"/>
+                <a:cs typeface="ヒラギノ角ゴ ProN W3"/>
+                <a:sym typeface="Futura Condensed"/>
+              </a:defRPr>
+            </a:lvl2pPr>
+            <a:lvl3pPr marL="1143000" indent="-228600">
+              <a:defRPr sz="4600">
+                <a:solidFill>
+                  <a:srgbClr val="2D4141"/>
+                </a:solidFill>
+                <a:latin typeface="Futura Condensed"/>
+                <a:ea typeface="ヒラギノ角ゴ ProN W3"/>
+                <a:cs typeface="ヒラギノ角ゴ ProN W3"/>
+                <a:sym typeface="Futura Condensed"/>
+              </a:defRPr>
+            </a:lvl3pPr>
+            <a:lvl4pPr marL="1600200" indent="-228600">
+              <a:defRPr sz="4600">
+                <a:solidFill>
+                  <a:srgbClr val="2D4141"/>
+                </a:solidFill>
+                <a:latin typeface="Futura Condensed"/>
+                <a:ea typeface="ヒラギノ角ゴ ProN W3"/>
+                <a:cs typeface="ヒラギノ角ゴ ProN W3"/>
+                <a:sym typeface="Futura Condensed"/>
+              </a:defRPr>
+            </a:lvl4pPr>
+            <a:lvl5pPr marL="2057400" indent="-228600">
+              <a:defRPr sz="4600">
+                <a:solidFill>
+                  <a:srgbClr val="2D4141"/>
+                </a:solidFill>
+                <a:latin typeface="Futura Condensed"/>
+                <a:ea typeface="ヒラギノ角ゴ ProN W3"/>
+                <a:cs typeface="ヒラギノ角ゴ ProN W3"/>
+                <a:sym typeface="Futura Condensed"/>
+              </a:defRPr>
+            </a:lvl5pPr>
+            <a:lvl6pPr marL="2514600" indent="-228600" eaLnBrk="0" fontAlgn="base" hangingPunct="0">
               <a:spcBef>
                 <a:spcPct val="0"/>
               </a:spcBef>
               <a:spcAft>
                 <a:spcPct val="0"/>
               </a:spcAft>
-              <a:defRPr sz="8400">
-                <a:solidFill>
-                  <a:schemeClr val="tx1"/>
-                </a:solidFill>
-                <a:latin typeface="+mj-lt"/>
-                <a:ea typeface="+mj-ea"/>
-                <a:cs typeface="+mj-cs"/>
-                <a:sym typeface="Gill Sans"/>
-              </a:defRPr>
-            </a:lvl1pPr>
-            <a:lvl2pPr algn="ctr" rtl="0" eaLnBrk="0" fontAlgn="base" hangingPunct="0">
+              <a:defRPr sz="4600">
+                <a:solidFill>
+                  <a:srgbClr val="2D4141"/>
+                </a:solidFill>
+                <a:latin typeface="Futura Condensed"/>
+                <a:ea typeface="ヒラギノ角ゴ ProN W3"/>
+                <a:cs typeface="ヒラギノ角ゴ ProN W3"/>
+                <a:sym typeface="Futura Condensed"/>
+              </a:defRPr>
+            </a:lvl6pPr>
+            <a:lvl7pPr marL="2971800" indent="-228600" eaLnBrk="0" fontAlgn="base" hangingPunct="0">
               <a:spcBef>
                 <a:spcPct val="0"/>
               </a:spcBef>
               <a:spcAft>
                 <a:spcPct val="0"/>
               </a:spcAft>
-              <a:defRPr sz="8400">
-                <a:solidFill>
-                  <a:schemeClr val="tx1"/>
-                </a:solidFill>
-                <a:latin typeface="Gill Sans" charset="0"/>
-                <a:ea typeface="ヒラギノ角ゴ ProN W3" charset="0"/>
-                <a:cs typeface="ヒラギノ角ゴ ProN W3" charset="0"/>
-                <a:sym typeface="Gill Sans"/>
-              </a:defRPr>
-            </a:lvl2pPr>
-            <a:lvl3pPr algn="ctr" rtl="0" eaLnBrk="0" fontAlgn="base" hangingPunct="0">
+              <a:defRPr sz="4600">
+                <a:solidFill>
+                  <a:srgbClr val="2D4141"/>
+                </a:solidFill>
+                <a:latin typeface="Futura Condensed"/>
+                <a:ea typeface="ヒラギノ角ゴ ProN W3"/>
+                <a:cs typeface="ヒラギノ角ゴ ProN W3"/>
+                <a:sym typeface="Futura Condensed"/>
+              </a:defRPr>
+            </a:lvl7pPr>
+            <a:lvl8pPr marL="3429000" indent="-228600" eaLnBrk="0" fontAlgn="base" hangingPunct="0">
               <a:spcBef>
                 <a:spcPct val="0"/>
               </a:spcBef>
               <a:spcAft>
                 <a:spcPct val="0"/>
               </a:spcAft>
-              <a:defRPr sz="8400">
-                <a:solidFill>
-                  <a:schemeClr val="tx1"/>
-                </a:solidFill>
-                <a:latin typeface="Gill Sans" charset="0"/>
-                <a:ea typeface="ヒラギノ角ゴ ProN W3" charset="0"/>
-                <a:cs typeface="ヒラギノ角ゴ ProN W3" charset="0"/>
-                <a:sym typeface="Gill Sans"/>
-              </a:defRPr>
-            </a:lvl3pPr>
-            <a:lvl4pPr algn="ctr" rtl="0" eaLnBrk="0" fontAlgn="base" hangingPunct="0">
+              <a:defRPr sz="4600">
+                <a:solidFill>
+                  <a:srgbClr val="2D4141"/>
+                </a:solidFill>
+                <a:latin typeface="Futura Condensed"/>
+                <a:ea typeface="ヒラギノ角ゴ ProN W3"/>
+                <a:cs typeface="ヒラギノ角ゴ ProN W3"/>
+                <a:sym typeface="Futura Condensed"/>
+              </a:defRPr>
+            </a:lvl8pPr>
+            <a:lvl9pPr marL="3886200" indent="-228600" eaLnBrk="0" fontAlgn="base" hangingPunct="0">
               <a:spcBef>
                 <a:spcPct val="0"/>
               </a:spcBef>
               <a:spcAft>
                 <a:spcPct val="0"/>
               </a:spcAft>
-              <a:defRPr sz="8400">
-                <a:solidFill>
-                  <a:schemeClr val="tx1"/>
-                </a:solidFill>
-                <a:latin typeface="Gill Sans" charset="0"/>
-                <a:ea typeface="ヒラギノ角ゴ ProN W3" charset="0"/>
-                <a:cs typeface="ヒラギノ角ゴ ProN W3" charset="0"/>
-                <a:sym typeface="Gill Sans"/>
-              </a:defRPr>
-            </a:lvl4pPr>
-            <a:lvl5pPr algn="ctr" rtl="0" eaLnBrk="0" fontAlgn="base" hangingPunct="0">
-              <a:spcBef>
-                <a:spcPct val="0"/>
-              </a:spcBef>
-              <a:spcAft>
-                <a:spcPct val="0"/>
-              </a:spcAft>
-              <a:defRPr sz="8400">
-                <a:solidFill>
-                  <a:schemeClr val="tx1"/>
-                </a:solidFill>
-                <a:latin typeface="Gill Sans" charset="0"/>
-                <a:ea typeface="ヒラギノ角ゴ ProN W3" charset="0"/>
-                <a:cs typeface="ヒラギノ角ゴ ProN W3" charset="0"/>
-                <a:sym typeface="Gill Sans"/>
-              </a:defRPr>
-            </a:lvl5pPr>
-            <a:lvl6pPr marL="457200" algn="ctr" rtl="0" fontAlgn="base">
-              <a:spcBef>
-                <a:spcPct val="0"/>
-              </a:spcBef>
-              <a:spcAft>
-                <a:spcPct val="0"/>
-              </a:spcAft>
-              <a:defRPr sz="8400">
-                <a:solidFill>
-                  <a:schemeClr val="tx1"/>
-                </a:solidFill>
-                <a:latin typeface="Gill Sans" charset="0"/>
-                <a:ea typeface="ヒラギノ角ゴ ProN W3" charset="0"/>
-                <a:cs typeface="ヒラギノ角ゴ ProN W3" charset="0"/>
-                <a:sym typeface="Gill Sans" charset="0"/>
-              </a:defRPr>
-            </a:lvl6pPr>
-            <a:lvl7pPr marL="914400" algn="ctr" rtl="0" fontAlgn="base">
-              <a:spcBef>
-                <a:spcPct val="0"/>
-              </a:spcBef>
-              <a:spcAft>
-                <a:spcPct val="0"/>
-              </a:spcAft>
-              <a:defRPr sz="8400">
-                <a:solidFill>
-                  <a:schemeClr val="tx1"/>
-                </a:solidFill>
-                <a:latin typeface="Gill Sans" charset="0"/>
-                <a:ea typeface="ヒラギノ角ゴ ProN W3" charset="0"/>
-                <a:cs typeface="ヒラギノ角ゴ ProN W3" charset="0"/>
-                <a:sym typeface="Gill Sans" charset="0"/>
-              </a:defRPr>
-            </a:lvl7pPr>
-            <a:lvl8pPr marL="1371600" algn="ctr" rtl="0" fontAlgn="base">
-              <a:spcBef>
-                <a:spcPct val="0"/>
-              </a:spcBef>
-              <a:spcAft>
-                <a:spcPct val="0"/>
-              </a:spcAft>
-              <a:defRPr sz="8400">
-                <a:solidFill>
-                  <a:schemeClr val="tx1"/>
-                </a:solidFill>
-                <a:latin typeface="Gill Sans" charset="0"/>
-                <a:ea typeface="ヒラギノ角ゴ ProN W3" charset="0"/>
-                <a:cs typeface="ヒラギノ角ゴ ProN W3" charset="0"/>
-                <a:sym typeface="Gill Sans" charset="0"/>
-              </a:defRPr>
-            </a:lvl8pPr>
-            <a:lvl9pPr marL="1828800" algn="ctr" rtl="0" fontAlgn="base">
-              <a:spcBef>
-                <a:spcPct val="0"/>
-              </a:spcBef>
-              <a:spcAft>
-                <a:spcPct val="0"/>
-              </a:spcAft>
-              <a:defRPr sz="8400">
-                <a:solidFill>
-                  <a:schemeClr val="tx1"/>
-                </a:solidFill>
-                <a:latin typeface="Gill Sans" charset="0"/>
-                <a:ea typeface="ヒラギノ角ゴ ProN W3" charset="0"/>
-                <a:cs typeface="ヒラギノ角ゴ ProN W3" charset="0"/>
-                <a:sym typeface="Gill Sans" charset="0"/>
+              <a:defRPr sz="4600">
+                <a:solidFill>
+                  <a:srgbClr val="2D4141"/>
+                </a:solidFill>
+                <a:latin typeface="Futura Condensed"/>
+                <a:ea typeface="ヒラギノ角ゴ ProN W3"/>
+                <a:cs typeface="ヒラギノ角ゴ ProN W3"/>
+                <a:sym typeface="Futura Condensed"/>
               </a:defRPr>
             </a:lvl9pPr>
           </a:lstStyle>
           <a:p>
-            <a:pPr>
-              <a:defRPr/>
-            </a:pPr>
-            <a:r>
-              <a:rPr lang="en-US" sz="2812" kern="0" dirty="0">
-                <a:blipFill>
-                  <a:blip r:embed="rId2"/>
-                  <a:stretch>
-                    <a:fillRect/>
-                  </a:stretch>
-                </a:blipFill>
-                <a:latin typeface="Arial" panose="020B0604020202020204" pitchFamily="34" charset="0"/>
-                <a:cs typeface="Arial" panose="020B0604020202020204" pitchFamily="34" charset="0"/>
+            <a:pPr algn="ctr" eaLnBrk="1" hangingPunct="1"/>
+            <a:r>
+              <a:rPr lang="en-US" altLang="pt-BR" sz="5906" b="1">
+                <a:solidFill>
+                  <a:schemeClr val="tx1"/>
+                </a:solidFill>
+                <a:latin typeface="Gill Sans"/>
+                <a:ea typeface="MS PGothic" panose="020B0600070205080204" pitchFamily="34" charset="-128"/>
+                <a:sym typeface="Gill Sans"/>
               </a:rPr>
-              <a:t>CONCLUSÕES</a:t>
-            </a:r>
-            <a:endParaRPr lang="en-US" sz="2812" kern="0" dirty="0">
-              <a:latin typeface="Arial" panose="020B0604020202020204" pitchFamily="34" charset="0"/>
-              <a:cs typeface="Arial" panose="020B0604020202020204" pitchFamily="34" charset="0"/>
-            </a:endParaRPr>
+              <a:t>Conclusões</a:t>
+            </a:r>
           </a:p>
         </p:txBody>
       </p:sp>
@@ -5647,6 +5894,317 @@
       </p:grpSpPr>
       <p:sp>
         <p:nvSpPr>
+          <p:cNvPr id="39938" name="Espaço Reservado para Conteúdo 2">
+            <a:extLst>
+              <a:ext uri="{FF2B5EF4-FFF2-40B4-BE49-F238E27FC236}">
+                <a16:creationId xmlns:a16="http://schemas.microsoft.com/office/drawing/2014/main" id="{3019256B-0CA0-4DF9-AEBB-3092A16BACE6}"/>
+              </a:ext>
+            </a:extLst>
+          </p:cNvPr>
+          <p:cNvSpPr>
+            <a:spLocks noGrp="1" noChangeArrowheads="1"/>
+          </p:cNvSpPr>
+          <p:nvPr>
+            <p:ph idx="1"/>
+          </p:nvPr>
+        </p:nvSpPr>
+        <p:spPr bwMode="auto">
+          <a:xfrm>
+            <a:off x="1981647" y="984498"/>
+            <a:ext cx="8228707" cy="4889004"/>
+          </a:xfrm>
+          <a:noFill/>
+          <a:extLst>
+            <a:ext uri="{909E8E84-426E-40DD-AFC4-6F175D3DCCD1}">
+              <a14:hiddenFill xmlns:a14="http://schemas.microsoft.com/office/drawing/2010/main">
+                <a:solidFill>
+                  <a:srgbClr val="FFFFFF"/>
+                </a:solidFill>
+              </a14:hiddenFill>
+            </a:ext>
+            <a:ext uri="{91240B29-F687-4F45-9708-019B960494DF}">
+              <a14:hiddenLine xmlns:a14="http://schemas.microsoft.com/office/drawing/2010/main" w="9525">
+                <a:solidFill>
+                  <a:srgbClr val="000000"/>
+                </a:solidFill>
+                <a:miter lim="800000"/>
+                <a:headEnd/>
+                <a:tailEnd/>
+              </a14:hiddenLine>
+            </a:ext>
+          </a:extLst>
+        </p:spPr>
+        <p:txBody>
+          <a:bodyPr vert="horz" wrap="square" lIns="64294" tIns="32147" rIns="64294" bIns="32147" numCol="1" rtlCol="0" anchor="t" anchorCtr="0" compatLnSpc="1">
+            <a:prstTxWarp prst="textNoShape">
+              <a:avLst/>
+            </a:prstTxWarp>
+            <a:normAutofit/>
+          </a:bodyPr>
+          <a:lstStyle/>
+          <a:p>
+            <a:r>
+              <a:rPr lang="pt-BR" altLang="pt-BR" dirty="0"/>
+              <a:t>Não foram encontrados evidências que há variação de energia consumida baseado na variação de distância até o </a:t>
+            </a:r>
+            <a:r>
+              <a:rPr lang="pt-BR" altLang="pt-BR" dirty="0" err="1"/>
+              <a:t>Rx</a:t>
+            </a:r>
+            <a:r>
+              <a:rPr lang="pt-BR" altLang="pt-BR" dirty="0"/>
+              <a:t>.</a:t>
+            </a:r>
+          </a:p>
+          <a:p>
+            <a:endParaRPr lang="pt-BR" altLang="pt-BR" dirty="0"/>
+          </a:p>
+          <a:p>
+            <a:r>
+              <a:rPr lang="pt-BR" altLang="pt-BR" dirty="0"/>
+              <a:t>Pode haver diferença de consumo de energia se comparado contra características de versão </a:t>
+            </a:r>
+            <a:r>
+              <a:rPr lang="pt-BR" altLang="pt-BR" dirty="0" err="1"/>
+              <a:t>Wifi</a:t>
+            </a:r>
+            <a:endParaRPr lang="pt-BR" altLang="pt-BR" dirty="0"/>
+          </a:p>
+        </p:txBody>
+      </p:sp>
+      <p:sp>
+        <p:nvSpPr>
+          <p:cNvPr id="4" name="Title 2">
+            <a:extLst>
+              <a:ext uri="{FF2B5EF4-FFF2-40B4-BE49-F238E27FC236}">
+                <a16:creationId xmlns:a16="http://schemas.microsoft.com/office/drawing/2014/main" id="{98E77854-030B-42D6-A188-C97349F5976D}"/>
+              </a:ext>
+            </a:extLst>
+          </p:cNvPr>
+          <p:cNvSpPr txBox="1">
+            <a:spLocks/>
+          </p:cNvSpPr>
+          <p:nvPr/>
+        </p:nvSpPr>
+        <p:spPr>
+          <a:xfrm>
+            <a:off x="2446351" y="273856"/>
+            <a:ext cx="7299297" cy="961982"/>
+          </a:xfrm>
+          <a:prstGeom prst="rect">
+            <a:avLst/>
+          </a:prstGeom>
+        </p:spPr>
+        <p:txBody>
+          <a:bodyPr>
+            <a:normAutofit/>
+          </a:bodyPr>
+          <a:lstStyle>
+            <a:lvl1pPr algn="ctr" rtl="0" eaLnBrk="0" fontAlgn="base" hangingPunct="0">
+              <a:spcBef>
+                <a:spcPct val="0"/>
+              </a:spcBef>
+              <a:spcAft>
+                <a:spcPct val="0"/>
+              </a:spcAft>
+              <a:defRPr sz="8400">
+                <a:solidFill>
+                  <a:schemeClr val="tx1"/>
+                </a:solidFill>
+                <a:latin typeface="+mj-lt"/>
+                <a:ea typeface="+mj-ea"/>
+                <a:cs typeface="+mj-cs"/>
+                <a:sym typeface="Gill Sans"/>
+              </a:defRPr>
+            </a:lvl1pPr>
+            <a:lvl2pPr algn="ctr" rtl="0" eaLnBrk="0" fontAlgn="base" hangingPunct="0">
+              <a:spcBef>
+                <a:spcPct val="0"/>
+              </a:spcBef>
+              <a:spcAft>
+                <a:spcPct val="0"/>
+              </a:spcAft>
+              <a:defRPr sz="8400">
+                <a:solidFill>
+                  <a:schemeClr val="tx1"/>
+                </a:solidFill>
+                <a:latin typeface="Gill Sans" charset="0"/>
+                <a:ea typeface="ヒラギノ角ゴ ProN W3" charset="0"/>
+                <a:cs typeface="ヒラギノ角ゴ ProN W3" charset="0"/>
+                <a:sym typeface="Gill Sans"/>
+              </a:defRPr>
+            </a:lvl2pPr>
+            <a:lvl3pPr algn="ctr" rtl="0" eaLnBrk="0" fontAlgn="base" hangingPunct="0">
+              <a:spcBef>
+                <a:spcPct val="0"/>
+              </a:spcBef>
+              <a:spcAft>
+                <a:spcPct val="0"/>
+              </a:spcAft>
+              <a:defRPr sz="8400">
+                <a:solidFill>
+                  <a:schemeClr val="tx1"/>
+                </a:solidFill>
+                <a:latin typeface="Gill Sans" charset="0"/>
+                <a:ea typeface="ヒラギノ角ゴ ProN W3" charset="0"/>
+                <a:cs typeface="ヒラギノ角ゴ ProN W3" charset="0"/>
+                <a:sym typeface="Gill Sans"/>
+              </a:defRPr>
+            </a:lvl3pPr>
+            <a:lvl4pPr algn="ctr" rtl="0" eaLnBrk="0" fontAlgn="base" hangingPunct="0">
+              <a:spcBef>
+                <a:spcPct val="0"/>
+              </a:spcBef>
+              <a:spcAft>
+                <a:spcPct val="0"/>
+              </a:spcAft>
+              <a:defRPr sz="8400">
+                <a:solidFill>
+                  <a:schemeClr val="tx1"/>
+                </a:solidFill>
+                <a:latin typeface="Gill Sans" charset="0"/>
+                <a:ea typeface="ヒラギノ角ゴ ProN W3" charset="0"/>
+                <a:cs typeface="ヒラギノ角ゴ ProN W3" charset="0"/>
+                <a:sym typeface="Gill Sans"/>
+              </a:defRPr>
+            </a:lvl4pPr>
+            <a:lvl5pPr algn="ctr" rtl="0" eaLnBrk="0" fontAlgn="base" hangingPunct="0">
+              <a:spcBef>
+                <a:spcPct val="0"/>
+              </a:spcBef>
+              <a:spcAft>
+                <a:spcPct val="0"/>
+              </a:spcAft>
+              <a:defRPr sz="8400">
+                <a:solidFill>
+                  <a:schemeClr val="tx1"/>
+                </a:solidFill>
+                <a:latin typeface="Gill Sans" charset="0"/>
+                <a:ea typeface="ヒラギノ角ゴ ProN W3" charset="0"/>
+                <a:cs typeface="ヒラギノ角ゴ ProN W3" charset="0"/>
+                <a:sym typeface="Gill Sans"/>
+              </a:defRPr>
+            </a:lvl5pPr>
+            <a:lvl6pPr marL="457200" algn="ctr" rtl="0" fontAlgn="base">
+              <a:spcBef>
+                <a:spcPct val="0"/>
+              </a:spcBef>
+              <a:spcAft>
+                <a:spcPct val="0"/>
+              </a:spcAft>
+              <a:defRPr sz="8400">
+                <a:solidFill>
+                  <a:schemeClr val="tx1"/>
+                </a:solidFill>
+                <a:latin typeface="Gill Sans" charset="0"/>
+                <a:ea typeface="ヒラギノ角ゴ ProN W3" charset="0"/>
+                <a:cs typeface="ヒラギノ角ゴ ProN W3" charset="0"/>
+                <a:sym typeface="Gill Sans" charset="0"/>
+              </a:defRPr>
+            </a:lvl6pPr>
+            <a:lvl7pPr marL="914400" algn="ctr" rtl="0" fontAlgn="base">
+              <a:spcBef>
+                <a:spcPct val="0"/>
+              </a:spcBef>
+              <a:spcAft>
+                <a:spcPct val="0"/>
+              </a:spcAft>
+              <a:defRPr sz="8400">
+                <a:solidFill>
+                  <a:schemeClr val="tx1"/>
+                </a:solidFill>
+                <a:latin typeface="Gill Sans" charset="0"/>
+                <a:ea typeface="ヒラギノ角ゴ ProN W3" charset="0"/>
+                <a:cs typeface="ヒラギノ角ゴ ProN W3" charset="0"/>
+                <a:sym typeface="Gill Sans" charset="0"/>
+              </a:defRPr>
+            </a:lvl7pPr>
+            <a:lvl8pPr marL="1371600" algn="ctr" rtl="0" fontAlgn="base">
+              <a:spcBef>
+                <a:spcPct val="0"/>
+              </a:spcBef>
+              <a:spcAft>
+                <a:spcPct val="0"/>
+              </a:spcAft>
+              <a:defRPr sz="8400">
+                <a:solidFill>
+                  <a:schemeClr val="tx1"/>
+                </a:solidFill>
+                <a:latin typeface="Gill Sans" charset="0"/>
+                <a:ea typeface="ヒラギノ角ゴ ProN W3" charset="0"/>
+                <a:cs typeface="ヒラギノ角ゴ ProN W3" charset="0"/>
+                <a:sym typeface="Gill Sans" charset="0"/>
+              </a:defRPr>
+            </a:lvl8pPr>
+            <a:lvl9pPr marL="1828800" algn="ctr" rtl="0" fontAlgn="base">
+              <a:spcBef>
+                <a:spcPct val="0"/>
+              </a:spcBef>
+              <a:spcAft>
+                <a:spcPct val="0"/>
+              </a:spcAft>
+              <a:defRPr sz="8400">
+                <a:solidFill>
+                  <a:schemeClr val="tx1"/>
+                </a:solidFill>
+                <a:latin typeface="Gill Sans" charset="0"/>
+                <a:ea typeface="ヒラギノ角ゴ ProN W3" charset="0"/>
+                <a:cs typeface="ヒラギノ角ゴ ProN W3" charset="0"/>
+                <a:sym typeface="Gill Sans" charset="0"/>
+              </a:defRPr>
+            </a:lvl9pPr>
+          </a:lstStyle>
+          <a:p>
+            <a:pPr>
+              <a:defRPr/>
+            </a:pPr>
+            <a:r>
+              <a:rPr lang="en-US" sz="2812" kern="0" dirty="0">
+                <a:blipFill>
+                  <a:blip r:embed="rId2"/>
+                  <a:stretch>
+                    <a:fillRect/>
+                  </a:stretch>
+                </a:blipFill>
+                <a:latin typeface="Arial" panose="020B0604020202020204" pitchFamily="34" charset="0"/>
+                <a:cs typeface="Arial" panose="020B0604020202020204" pitchFamily="34" charset="0"/>
+              </a:rPr>
+              <a:t>CONCLUSÕES</a:t>
+            </a:r>
+            <a:endParaRPr lang="en-US" sz="2812" kern="0" dirty="0">
+              <a:latin typeface="Arial" panose="020B0604020202020204" pitchFamily="34" charset="0"/>
+              <a:cs typeface="Arial" panose="020B0604020202020204" pitchFamily="34" charset="0"/>
+            </a:endParaRPr>
+          </a:p>
+        </p:txBody>
+      </p:sp>
+    </p:spTree>
+  </p:cSld>
+  <p:clrMapOvr>
+    <a:masterClrMapping/>
+  </p:clrMapOvr>
+</p:sld>
+</file>
+
+<file path=ppt/slides/slide19.xml><?xml version="1.0" encoding="utf-8"?>
+<p:sld xmlns:a="http://schemas.openxmlformats.org/drawingml/2006/main" xmlns:r="http://schemas.openxmlformats.org/officeDocument/2006/relationships" xmlns:p="http://schemas.openxmlformats.org/presentationml/2006/main">
+  <p:cSld>
+    <p:spTree>
+      <p:nvGrpSpPr>
+        <p:cNvPr id="1" name=""/>
+        <p:cNvGrpSpPr/>
+        <p:nvPr/>
+      </p:nvGrpSpPr>
+      <p:grpSpPr>
+        <a:xfrm>
+          <a:off x="0" y="0"/>
+          <a:ext cx="0" cy="0"/>
+          <a:chOff x="0" y="0"/>
+          <a:chExt cx="0" cy="0"/>
+        </a:xfrm>
+      </p:grpSpPr>
+      <p:sp>
+        <p:nvSpPr>
           <p:cNvPr id="40962" name="Rectangle 1">
             <a:extLst>
               <a:ext uri="{FF2B5EF4-FFF2-40B4-BE49-F238E27FC236}">
@@ -5842,7 +6400,478 @@
 </p:sld>
 </file>
 
-<file path=ppt/slides/slide19.xml><?xml version="1.0" encoding="utf-8"?>
+<file path=ppt/slides/slide2.xml><?xml version="1.0" encoding="utf-8"?>
+<p:sld xmlns:a="http://schemas.openxmlformats.org/drawingml/2006/main" xmlns:r="http://schemas.openxmlformats.org/officeDocument/2006/relationships" xmlns:p="http://schemas.openxmlformats.org/presentationml/2006/main">
+  <p:cSld>
+    <p:spTree>
+      <p:nvGrpSpPr>
+        <p:cNvPr id="1" name=""/>
+        <p:cNvGrpSpPr/>
+        <p:nvPr/>
+      </p:nvGrpSpPr>
+      <p:grpSpPr>
+        <a:xfrm>
+          <a:off x="0" y="0"/>
+          <a:ext cx="0" cy="0"/>
+          <a:chOff x="0" y="0"/>
+          <a:chExt cx="0" cy="0"/>
+        </a:xfrm>
+      </p:grpSpPr>
+      <p:sp>
+        <p:nvSpPr>
+          <p:cNvPr id="94209" name="Rectangle 1">
+            <a:extLst>
+              <a:ext uri="{FF2B5EF4-FFF2-40B4-BE49-F238E27FC236}">
+                <a16:creationId xmlns:a16="http://schemas.microsoft.com/office/drawing/2014/main" id="{C1FCFEBF-B4C9-419D-BDE2-32FF7853E9A0}"/>
+              </a:ext>
+            </a:extLst>
+          </p:cNvPr>
+          <p:cNvSpPr>
+            <a:spLocks/>
+          </p:cNvSpPr>
+          <p:nvPr/>
+        </p:nvSpPr>
+        <p:spPr bwMode="auto">
+          <a:xfrm>
+            <a:off x="23555027" y="1201043"/>
+            <a:ext cx="821531" cy="553641"/>
+          </a:xfrm>
+          <a:prstGeom prst="rect">
+            <a:avLst/>
+          </a:prstGeom>
+          <a:noFill/>
+          <a:ln>
+            <a:noFill/>
+          </a:ln>
+          <a:extLst>
+            <a:ext uri="{909E8E84-426E-40dd-AFC4-6F175D3DCCD1}"/>
+            <a:ext uri="{91240B29-F687-4f45-9708-019B960494DF}"/>
+          </a:extLst>
+        </p:spPr>
+        <p:txBody>
+          <a:bodyPr lIns="0" tIns="0" rIns="0" bIns="0"/>
+          <a:lstStyle>
+            <a:lvl1pPr eaLnBrk="0" hangingPunct="0">
+              <a:defRPr sz="4600">
+                <a:solidFill>
+                  <a:srgbClr val="2D4141"/>
+                </a:solidFill>
+                <a:latin typeface="Futura Condensed" pitchFamily="6" charset="0"/>
+                <a:ea typeface="ヒラギノ角ゴ ProN W3" pitchFamily="6" charset="-128"/>
+                <a:sym typeface="Futura Condensed" pitchFamily="6" charset="0"/>
+              </a:defRPr>
+            </a:lvl1pPr>
+            <a:lvl2pPr marL="742950" indent="-285750" eaLnBrk="0" hangingPunct="0">
+              <a:defRPr sz="4600">
+                <a:solidFill>
+                  <a:srgbClr val="2D4141"/>
+                </a:solidFill>
+                <a:latin typeface="Futura Condensed" pitchFamily="6" charset="0"/>
+                <a:ea typeface="ヒラギノ角ゴ ProN W3" pitchFamily="6" charset="-128"/>
+                <a:sym typeface="Futura Condensed" pitchFamily="6" charset="0"/>
+              </a:defRPr>
+            </a:lvl2pPr>
+            <a:lvl3pPr marL="1143000" indent="-228600" eaLnBrk="0" hangingPunct="0">
+              <a:defRPr sz="4600">
+                <a:solidFill>
+                  <a:srgbClr val="2D4141"/>
+                </a:solidFill>
+                <a:latin typeface="Futura Condensed" pitchFamily="6" charset="0"/>
+                <a:ea typeface="ヒラギノ角ゴ ProN W3" pitchFamily="6" charset="-128"/>
+                <a:sym typeface="Futura Condensed" pitchFamily="6" charset="0"/>
+              </a:defRPr>
+            </a:lvl3pPr>
+            <a:lvl4pPr marL="1600200" indent="-228600" eaLnBrk="0" hangingPunct="0">
+              <a:defRPr sz="4600">
+                <a:solidFill>
+                  <a:srgbClr val="2D4141"/>
+                </a:solidFill>
+                <a:latin typeface="Futura Condensed" pitchFamily="6" charset="0"/>
+                <a:ea typeface="ヒラギノ角ゴ ProN W3" pitchFamily="6" charset="-128"/>
+                <a:sym typeface="Futura Condensed" pitchFamily="6" charset="0"/>
+              </a:defRPr>
+            </a:lvl4pPr>
+            <a:lvl5pPr marL="2057400" indent="-228600" eaLnBrk="0" hangingPunct="0">
+              <a:defRPr sz="4600">
+                <a:solidFill>
+                  <a:srgbClr val="2D4141"/>
+                </a:solidFill>
+                <a:latin typeface="Futura Condensed" pitchFamily="6" charset="0"/>
+                <a:ea typeface="ヒラギノ角ゴ ProN W3" pitchFamily="6" charset="-128"/>
+                <a:sym typeface="Futura Condensed" pitchFamily="6" charset="0"/>
+              </a:defRPr>
+            </a:lvl5pPr>
+            <a:lvl6pPr marL="2514600" indent="-228600" algn="ctr" eaLnBrk="0" fontAlgn="base" hangingPunct="0">
+              <a:spcBef>
+                <a:spcPct val="0"/>
+              </a:spcBef>
+              <a:spcAft>
+                <a:spcPct val="0"/>
+              </a:spcAft>
+              <a:defRPr sz="4600">
+                <a:solidFill>
+                  <a:srgbClr val="2D4141"/>
+                </a:solidFill>
+                <a:latin typeface="Futura Condensed" pitchFamily="6" charset="0"/>
+                <a:ea typeface="ヒラギノ角ゴ ProN W3" pitchFamily="6" charset="-128"/>
+                <a:sym typeface="Futura Condensed" pitchFamily="6" charset="0"/>
+              </a:defRPr>
+            </a:lvl6pPr>
+            <a:lvl7pPr marL="2971800" indent="-228600" algn="ctr" eaLnBrk="0" fontAlgn="base" hangingPunct="0">
+              <a:spcBef>
+                <a:spcPct val="0"/>
+              </a:spcBef>
+              <a:spcAft>
+                <a:spcPct val="0"/>
+              </a:spcAft>
+              <a:defRPr sz="4600">
+                <a:solidFill>
+                  <a:srgbClr val="2D4141"/>
+                </a:solidFill>
+                <a:latin typeface="Futura Condensed" pitchFamily="6" charset="0"/>
+                <a:ea typeface="ヒラギノ角ゴ ProN W3" pitchFamily="6" charset="-128"/>
+                <a:sym typeface="Futura Condensed" pitchFamily="6" charset="0"/>
+              </a:defRPr>
+            </a:lvl7pPr>
+            <a:lvl8pPr marL="3429000" indent="-228600" algn="ctr" eaLnBrk="0" fontAlgn="base" hangingPunct="0">
+              <a:spcBef>
+                <a:spcPct val="0"/>
+              </a:spcBef>
+              <a:spcAft>
+                <a:spcPct val="0"/>
+              </a:spcAft>
+              <a:defRPr sz="4600">
+                <a:solidFill>
+                  <a:srgbClr val="2D4141"/>
+                </a:solidFill>
+                <a:latin typeface="Futura Condensed" pitchFamily="6" charset="0"/>
+                <a:ea typeface="ヒラギノ角ゴ ProN W3" pitchFamily="6" charset="-128"/>
+                <a:sym typeface="Futura Condensed" pitchFamily="6" charset="0"/>
+              </a:defRPr>
+            </a:lvl8pPr>
+            <a:lvl9pPr marL="3886200" indent="-228600" algn="ctr" eaLnBrk="0" fontAlgn="base" hangingPunct="0">
+              <a:spcBef>
+                <a:spcPct val="0"/>
+              </a:spcBef>
+              <a:spcAft>
+                <a:spcPct val="0"/>
+              </a:spcAft>
+              <a:defRPr sz="4600">
+                <a:solidFill>
+                  <a:srgbClr val="2D4141"/>
+                </a:solidFill>
+                <a:latin typeface="Futura Condensed" pitchFamily="6" charset="0"/>
+                <a:ea typeface="ヒラギノ角ゴ ProN W3" pitchFamily="6" charset="-128"/>
+                <a:sym typeface="Futura Condensed" pitchFamily="6" charset="0"/>
+              </a:defRPr>
+            </a:lvl9pPr>
+          </a:lstStyle>
+          <a:p>
+            <a:pPr eaLnBrk="1" hangingPunct="1">
+              <a:defRPr/>
+            </a:pPr>
+            <a:r>
+              <a:rPr lang="en-US" altLang="pt-BR" sz="1758">
+                <a:solidFill>
+                  <a:schemeClr val="tx1"/>
+                </a:solidFill>
+                <a:effectLst>
+                  <a:outerShdw blurRad="38100" dist="38100" dir="2700000" algn="tl">
+                    <a:srgbClr val="C0C0C0"/>
+                  </a:outerShdw>
+                </a:effectLst>
+                <a:latin typeface="Courier" pitchFamily="6" charset="0"/>
+                <a:ea typeface="MS PGothic" panose="020B0600070205080204" pitchFamily="34" charset="-128"/>
+                <a:sym typeface="Courier" pitchFamily="6" charset="0"/>
+              </a:rPr>
+              <a:t>Lab</a:t>
+            </a:r>
+          </a:p>
+        </p:txBody>
+      </p:sp>
+      <p:sp>
+        <p:nvSpPr>
+          <p:cNvPr id="5123" name="AutoShape 2">
+            <a:extLst>
+              <a:ext uri="{FF2B5EF4-FFF2-40B4-BE49-F238E27FC236}">
+                <a16:creationId xmlns:a16="http://schemas.microsoft.com/office/drawing/2014/main" id="{86124621-16BC-451D-80A1-9D579325B85E}"/>
+              </a:ext>
+            </a:extLst>
+          </p:cNvPr>
+          <p:cNvSpPr>
+            <a:spLocks/>
+          </p:cNvSpPr>
+          <p:nvPr/>
+        </p:nvSpPr>
+        <p:spPr bwMode="auto">
+          <a:xfrm>
+            <a:off x="3684985" y="2375297"/>
+            <a:ext cx="4822031" cy="2321719"/>
+          </a:xfrm>
+          <a:prstGeom prst="roundRect">
+            <a:avLst>
+              <a:gd name="adj" fmla="val 5769"/>
+            </a:avLst>
+          </a:prstGeom>
+          <a:solidFill>
+            <a:schemeClr val="accent1">
+              <a:alpha val="50980"/>
+            </a:schemeClr>
+          </a:solidFill>
+          <a:ln w="25400">
+            <a:solidFill>
+              <a:schemeClr val="tx1"/>
+            </a:solidFill>
+            <a:miter lim="800000"/>
+            <a:headEnd/>
+            <a:tailEnd/>
+          </a:ln>
+        </p:spPr>
+        <p:txBody>
+          <a:bodyPr lIns="0" tIns="0" rIns="0" bIns="0"/>
+          <a:lstStyle>
+            <a:lvl1pPr algn="ctr">
+              <a:defRPr sz="3600">
+                <a:solidFill>
+                  <a:schemeClr val="tx1"/>
+                </a:solidFill>
+                <a:latin typeface="Gill Sans"/>
+                <a:ea typeface="ヒラギノ角ゴ ProN W3"/>
+                <a:cs typeface="ヒラギノ角ゴ ProN W3"/>
+                <a:sym typeface="Gill Sans"/>
+              </a:defRPr>
+            </a:lvl1pPr>
+            <a:lvl2pPr marL="742950" indent="-285750" algn="ctr">
+              <a:defRPr sz="3600">
+                <a:solidFill>
+                  <a:schemeClr val="tx1"/>
+                </a:solidFill>
+                <a:latin typeface="Gill Sans"/>
+                <a:ea typeface="ヒラギノ角ゴ ProN W3"/>
+                <a:cs typeface="ヒラギノ角ゴ ProN W3"/>
+                <a:sym typeface="Gill Sans"/>
+              </a:defRPr>
+            </a:lvl2pPr>
+            <a:lvl3pPr marL="1143000" indent="-228600" algn="ctr">
+              <a:defRPr sz="3600">
+                <a:solidFill>
+                  <a:schemeClr val="tx1"/>
+                </a:solidFill>
+                <a:latin typeface="Gill Sans"/>
+                <a:ea typeface="ヒラギノ角ゴ ProN W3"/>
+                <a:cs typeface="ヒラギノ角ゴ ProN W3"/>
+                <a:sym typeface="Gill Sans"/>
+              </a:defRPr>
+            </a:lvl3pPr>
+            <a:lvl4pPr marL="1600200" indent="-228600" algn="ctr">
+              <a:defRPr sz="3600">
+                <a:solidFill>
+                  <a:schemeClr val="tx1"/>
+                </a:solidFill>
+                <a:latin typeface="Gill Sans"/>
+                <a:ea typeface="ヒラギノ角ゴ ProN W3"/>
+                <a:cs typeface="ヒラギノ角ゴ ProN W3"/>
+                <a:sym typeface="Gill Sans"/>
+              </a:defRPr>
+            </a:lvl4pPr>
+            <a:lvl5pPr marL="2057400" indent="-228600" algn="ctr">
+              <a:defRPr sz="3600">
+                <a:solidFill>
+                  <a:schemeClr val="tx1"/>
+                </a:solidFill>
+                <a:latin typeface="Gill Sans"/>
+                <a:ea typeface="ヒラギノ角ゴ ProN W3"/>
+                <a:cs typeface="ヒラギノ角ゴ ProN W3"/>
+                <a:sym typeface="Gill Sans"/>
+              </a:defRPr>
+            </a:lvl5pPr>
+            <a:lvl6pPr marL="2514600" indent="-228600" algn="ctr" eaLnBrk="0" fontAlgn="base" hangingPunct="0">
+              <a:spcBef>
+                <a:spcPct val="0"/>
+              </a:spcBef>
+              <a:spcAft>
+                <a:spcPct val="0"/>
+              </a:spcAft>
+              <a:defRPr sz="3600">
+                <a:solidFill>
+                  <a:schemeClr val="tx1"/>
+                </a:solidFill>
+                <a:latin typeface="Gill Sans"/>
+                <a:ea typeface="ヒラギノ角ゴ ProN W3"/>
+                <a:cs typeface="ヒラギノ角ゴ ProN W3"/>
+                <a:sym typeface="Gill Sans"/>
+              </a:defRPr>
+            </a:lvl6pPr>
+            <a:lvl7pPr marL="2971800" indent="-228600" algn="ctr" eaLnBrk="0" fontAlgn="base" hangingPunct="0">
+              <a:spcBef>
+                <a:spcPct val="0"/>
+              </a:spcBef>
+              <a:spcAft>
+                <a:spcPct val="0"/>
+              </a:spcAft>
+              <a:defRPr sz="3600">
+                <a:solidFill>
+                  <a:schemeClr val="tx1"/>
+                </a:solidFill>
+                <a:latin typeface="Gill Sans"/>
+                <a:ea typeface="ヒラギノ角ゴ ProN W3"/>
+                <a:cs typeface="ヒラギノ角ゴ ProN W3"/>
+                <a:sym typeface="Gill Sans"/>
+              </a:defRPr>
+            </a:lvl7pPr>
+            <a:lvl8pPr marL="3429000" indent="-228600" algn="ctr" eaLnBrk="0" fontAlgn="base" hangingPunct="0">
+              <a:spcBef>
+                <a:spcPct val="0"/>
+              </a:spcBef>
+              <a:spcAft>
+                <a:spcPct val="0"/>
+              </a:spcAft>
+              <a:defRPr sz="3600">
+                <a:solidFill>
+                  <a:schemeClr val="tx1"/>
+                </a:solidFill>
+                <a:latin typeface="Gill Sans"/>
+                <a:ea typeface="ヒラギノ角ゴ ProN W3"/>
+                <a:cs typeface="ヒラギノ角ゴ ProN W3"/>
+                <a:sym typeface="Gill Sans"/>
+              </a:defRPr>
+            </a:lvl8pPr>
+            <a:lvl9pPr marL="3886200" indent="-228600" algn="ctr" eaLnBrk="0" fontAlgn="base" hangingPunct="0">
+              <a:spcBef>
+                <a:spcPct val="0"/>
+              </a:spcBef>
+              <a:spcAft>
+                <a:spcPct val="0"/>
+              </a:spcAft>
+              <a:defRPr sz="3600">
+                <a:solidFill>
+                  <a:schemeClr val="tx1"/>
+                </a:solidFill>
+                <a:latin typeface="Gill Sans"/>
+                <a:ea typeface="ヒラギノ角ゴ ProN W3"/>
+                <a:cs typeface="ヒラギノ角ゴ ProN W3"/>
+                <a:sym typeface="Gill Sans"/>
+              </a:defRPr>
+            </a:lvl9pPr>
+          </a:lstStyle>
+          <a:p>
+            <a:pPr eaLnBrk="1" hangingPunct="1"/>
+            <a:endParaRPr lang="en-US" altLang="pt-BR" sz="1336">
+              <a:ea typeface="MS PGothic" panose="020B0600070205080204" pitchFamily="34" charset="-128"/>
+            </a:endParaRPr>
+          </a:p>
+          <a:p>
+            <a:pPr eaLnBrk="1" hangingPunct="1"/>
+            <a:r>
+              <a:rPr lang="en-US" altLang="pt-BR" sz="1336">
+                <a:ea typeface="MS PGothic" panose="020B0600070205080204" pitchFamily="34" charset="-128"/>
+              </a:rPr>
+              <a:t>Série de Seminários</a:t>
+            </a:r>
+          </a:p>
+          <a:p>
+            <a:pPr eaLnBrk="1" hangingPunct="1"/>
+            <a:endParaRPr lang="en-US" altLang="pt-BR" sz="1336" i="1">
+              <a:ea typeface="MS PGothic" panose="020B0600070205080204" pitchFamily="34" charset="-128"/>
+            </a:endParaRPr>
+          </a:p>
+          <a:p>
+            <a:pPr eaLnBrk="1" hangingPunct="1"/>
+            <a:endParaRPr lang="en-US" altLang="pt-BR" sz="1336" i="1">
+              <a:ea typeface="MS PGothic" panose="020B0600070205080204" pitchFamily="34" charset="-128"/>
+            </a:endParaRPr>
+          </a:p>
+          <a:p>
+            <a:pPr eaLnBrk="1" hangingPunct="1"/>
+            <a:r>
+              <a:rPr lang="en-US" altLang="pt-BR" sz="1336" b="1" i="1">
+                <a:ea typeface="MS PGothic" panose="020B0600070205080204" pitchFamily="34" charset="-128"/>
+              </a:rPr>
+              <a:t>MO809A Tópicos de Sistemas Distribuídos</a:t>
+            </a:r>
+          </a:p>
+          <a:p>
+            <a:pPr eaLnBrk="1" hangingPunct="1"/>
+            <a:endParaRPr lang="en-US" altLang="pt-BR" sz="1336" b="1" i="1">
+              <a:ea typeface="MS PGothic" panose="020B0600070205080204" pitchFamily="34" charset="-128"/>
+            </a:endParaRPr>
+          </a:p>
+          <a:p>
+            <a:pPr eaLnBrk="1" hangingPunct="1"/>
+            <a:endParaRPr lang="en-US" altLang="pt-BR" sz="1336" i="1">
+              <a:ea typeface="MS PGothic" panose="020B0600070205080204" pitchFamily="34" charset="-128"/>
+            </a:endParaRPr>
+          </a:p>
+          <a:p>
+            <a:pPr eaLnBrk="1" hangingPunct="1"/>
+            <a:r>
+              <a:rPr lang="en-US" altLang="pt-BR" sz="1336" i="1">
+                <a:ea typeface="MS PGothic" panose="020B0600070205080204" pitchFamily="34" charset="-128"/>
+              </a:rPr>
+              <a:t>Prof. Dr. Leandro Villas</a:t>
+            </a:r>
+          </a:p>
+          <a:p>
+            <a:pPr eaLnBrk="1" hangingPunct="1"/>
+            <a:r>
+              <a:rPr lang="en-US" altLang="pt-BR" sz="844" u="sng">
+                <a:latin typeface="Courier"/>
+                <a:ea typeface="MS PGothic" panose="020B0600070205080204" pitchFamily="34" charset="-128"/>
+                <a:sym typeface="Courier"/>
+              </a:rPr>
+              <a:t>leandro@ic.unicamp.br</a:t>
+            </a:r>
+            <a:endParaRPr lang="en-US" altLang="pt-BR" sz="844">
+              <a:latin typeface="Courier"/>
+              <a:ea typeface="MS PGothic" panose="020B0600070205080204" pitchFamily="34" charset="-128"/>
+              <a:sym typeface="Courier"/>
+            </a:endParaRPr>
+          </a:p>
+          <a:p>
+            <a:pPr eaLnBrk="1" hangingPunct="1"/>
+            <a:r>
+              <a:rPr lang="en-US" altLang="pt-BR" sz="844" u="sng">
+                <a:latin typeface="Courier"/>
+                <a:ea typeface="MS PGothic" panose="020B0600070205080204" pitchFamily="34" charset="-128"/>
+                <a:sym typeface="Courier"/>
+              </a:rPr>
+              <a:t>http://www.ic.unicamp.br/~leandro/</a:t>
+            </a:r>
+            <a:r>
+              <a:rPr lang="en-US" altLang="pt-BR" sz="844" u="sng">
+                <a:latin typeface="Courier"/>
+                <a:ea typeface="MS PGothic" panose="020B0600070205080204" pitchFamily="34" charset="-128"/>
+                <a:sym typeface="Courier"/>
+                <a:hlinkClick r:id="rId2"/>
+              </a:rPr>
+              <a:t>E</a:t>
+            </a:r>
+            <a:r>
+              <a:rPr lang="en-US" altLang="pt-BR" sz="844" u="sng">
+                <a:latin typeface="Courier"/>
+                <a:ea typeface="MS PGothic" panose="020B0600070205080204" pitchFamily="34" charset="-128"/>
+                <a:sym typeface="Courier"/>
+              </a:rPr>
+              <a:t>nsino/MO809/1s2019/</a:t>
+            </a:r>
+            <a:endParaRPr lang="en-US" altLang="pt-BR" sz="844" u="sng">
+              <a:latin typeface="Courier"/>
+              <a:ea typeface="MS PGothic" panose="020B0600070205080204" pitchFamily="34" charset="-128"/>
+              <a:sym typeface="Courier"/>
+              <a:hlinkClick r:id="rId2"/>
+            </a:endParaRPr>
+          </a:p>
+        </p:txBody>
+      </p:sp>
+    </p:spTree>
+  </p:cSld>
+  <p:clrMapOvr>
+    <a:masterClrMapping/>
+  </p:clrMapOvr>
+</p:sld>
+</file>
+
+<file path=ppt/slides/slide20.xml><?xml version="1.0" encoding="utf-8"?>
 <p:sld xmlns:a="http://schemas.openxmlformats.org/drawingml/2006/main" xmlns:r="http://schemas.openxmlformats.org/officeDocument/2006/relationships" xmlns:p="http://schemas.openxmlformats.org/presentationml/2006/main">
   <p:cSld>
     <p:spTree>
@@ -6103,7 +7132,7 @@
 </p:sld>
 </file>
 
-<file path=ppt/slides/slide2.xml><?xml version="1.0" encoding="utf-8"?>
+<file path=ppt/slides/slide21.xml><?xml version="1.0" encoding="utf-8"?>
 <p:sld xmlns:a="http://schemas.openxmlformats.org/drawingml/2006/main" xmlns:r="http://schemas.openxmlformats.org/officeDocument/2006/relationships" xmlns:p="http://schemas.openxmlformats.org/presentationml/2006/main">
   <p:cSld>
     <p:spTree>
@@ -6122,477 +7151,6 @@
       </p:grpSpPr>
       <p:sp>
         <p:nvSpPr>
-          <p:cNvPr id="94209" name="Rectangle 1">
-            <a:extLst>
-              <a:ext uri="{FF2B5EF4-FFF2-40B4-BE49-F238E27FC236}">
-                <a16:creationId xmlns:a16="http://schemas.microsoft.com/office/drawing/2014/main" id="{C1FCFEBF-B4C9-419D-BDE2-32FF7853E9A0}"/>
-              </a:ext>
-            </a:extLst>
-          </p:cNvPr>
-          <p:cNvSpPr>
-            <a:spLocks/>
-          </p:cNvSpPr>
-          <p:nvPr/>
-        </p:nvSpPr>
-        <p:spPr bwMode="auto">
-          <a:xfrm>
-            <a:off x="23555027" y="1201043"/>
-            <a:ext cx="821531" cy="553641"/>
-          </a:xfrm>
-          <a:prstGeom prst="rect">
-            <a:avLst/>
-          </a:prstGeom>
-          <a:noFill/>
-          <a:ln>
-            <a:noFill/>
-          </a:ln>
-          <a:extLst>
-            <a:ext uri="{909E8E84-426E-40dd-AFC4-6F175D3DCCD1}"/>
-            <a:ext uri="{91240B29-F687-4f45-9708-019B960494DF}"/>
-          </a:extLst>
-        </p:spPr>
-        <p:txBody>
-          <a:bodyPr lIns="0" tIns="0" rIns="0" bIns="0"/>
-          <a:lstStyle>
-            <a:lvl1pPr eaLnBrk="0" hangingPunct="0">
-              <a:defRPr sz="4600">
-                <a:solidFill>
-                  <a:srgbClr val="2D4141"/>
-                </a:solidFill>
-                <a:latin typeface="Futura Condensed" pitchFamily="6" charset="0"/>
-                <a:ea typeface="ヒラギノ角ゴ ProN W3" pitchFamily="6" charset="-128"/>
-                <a:sym typeface="Futura Condensed" pitchFamily="6" charset="0"/>
-              </a:defRPr>
-            </a:lvl1pPr>
-            <a:lvl2pPr marL="742950" indent="-285750" eaLnBrk="0" hangingPunct="0">
-              <a:defRPr sz="4600">
-                <a:solidFill>
-                  <a:srgbClr val="2D4141"/>
-                </a:solidFill>
-                <a:latin typeface="Futura Condensed" pitchFamily="6" charset="0"/>
-                <a:ea typeface="ヒラギノ角ゴ ProN W3" pitchFamily="6" charset="-128"/>
-                <a:sym typeface="Futura Condensed" pitchFamily="6" charset="0"/>
-              </a:defRPr>
-            </a:lvl2pPr>
-            <a:lvl3pPr marL="1143000" indent="-228600" eaLnBrk="0" hangingPunct="0">
-              <a:defRPr sz="4600">
-                <a:solidFill>
-                  <a:srgbClr val="2D4141"/>
-                </a:solidFill>
-                <a:latin typeface="Futura Condensed" pitchFamily="6" charset="0"/>
-                <a:ea typeface="ヒラギノ角ゴ ProN W3" pitchFamily="6" charset="-128"/>
-                <a:sym typeface="Futura Condensed" pitchFamily="6" charset="0"/>
-              </a:defRPr>
-            </a:lvl3pPr>
-            <a:lvl4pPr marL="1600200" indent="-228600" eaLnBrk="0" hangingPunct="0">
-              <a:defRPr sz="4600">
-                <a:solidFill>
-                  <a:srgbClr val="2D4141"/>
-                </a:solidFill>
-                <a:latin typeface="Futura Condensed" pitchFamily="6" charset="0"/>
-                <a:ea typeface="ヒラギノ角ゴ ProN W3" pitchFamily="6" charset="-128"/>
-                <a:sym typeface="Futura Condensed" pitchFamily="6" charset="0"/>
-              </a:defRPr>
-            </a:lvl4pPr>
-            <a:lvl5pPr marL="2057400" indent="-228600" eaLnBrk="0" hangingPunct="0">
-              <a:defRPr sz="4600">
-                <a:solidFill>
-                  <a:srgbClr val="2D4141"/>
-                </a:solidFill>
-                <a:latin typeface="Futura Condensed" pitchFamily="6" charset="0"/>
-                <a:ea typeface="ヒラギノ角ゴ ProN W3" pitchFamily="6" charset="-128"/>
-                <a:sym typeface="Futura Condensed" pitchFamily="6" charset="0"/>
-              </a:defRPr>
-            </a:lvl5pPr>
-            <a:lvl6pPr marL="2514600" indent="-228600" algn="ctr" eaLnBrk="0" fontAlgn="base" hangingPunct="0">
-              <a:spcBef>
-                <a:spcPct val="0"/>
-              </a:spcBef>
-              <a:spcAft>
-                <a:spcPct val="0"/>
-              </a:spcAft>
-              <a:defRPr sz="4600">
-                <a:solidFill>
-                  <a:srgbClr val="2D4141"/>
-                </a:solidFill>
-                <a:latin typeface="Futura Condensed" pitchFamily="6" charset="0"/>
-                <a:ea typeface="ヒラギノ角ゴ ProN W3" pitchFamily="6" charset="-128"/>
-                <a:sym typeface="Futura Condensed" pitchFamily="6" charset="0"/>
-              </a:defRPr>
-            </a:lvl6pPr>
-            <a:lvl7pPr marL="2971800" indent="-228600" algn="ctr" eaLnBrk="0" fontAlgn="base" hangingPunct="0">
-              <a:spcBef>
-                <a:spcPct val="0"/>
-              </a:spcBef>
-              <a:spcAft>
-                <a:spcPct val="0"/>
-              </a:spcAft>
-              <a:defRPr sz="4600">
-                <a:solidFill>
-                  <a:srgbClr val="2D4141"/>
-                </a:solidFill>
-                <a:latin typeface="Futura Condensed" pitchFamily="6" charset="0"/>
-                <a:ea typeface="ヒラギノ角ゴ ProN W3" pitchFamily="6" charset="-128"/>
-                <a:sym typeface="Futura Condensed" pitchFamily="6" charset="0"/>
-              </a:defRPr>
-            </a:lvl7pPr>
-            <a:lvl8pPr marL="3429000" indent="-228600" algn="ctr" eaLnBrk="0" fontAlgn="base" hangingPunct="0">
-              <a:spcBef>
-                <a:spcPct val="0"/>
-              </a:spcBef>
-              <a:spcAft>
-                <a:spcPct val="0"/>
-              </a:spcAft>
-              <a:defRPr sz="4600">
-                <a:solidFill>
-                  <a:srgbClr val="2D4141"/>
-                </a:solidFill>
-                <a:latin typeface="Futura Condensed" pitchFamily="6" charset="0"/>
-                <a:ea typeface="ヒラギノ角ゴ ProN W3" pitchFamily="6" charset="-128"/>
-                <a:sym typeface="Futura Condensed" pitchFamily="6" charset="0"/>
-              </a:defRPr>
-            </a:lvl8pPr>
-            <a:lvl9pPr marL="3886200" indent="-228600" algn="ctr" eaLnBrk="0" fontAlgn="base" hangingPunct="0">
-              <a:spcBef>
-                <a:spcPct val="0"/>
-              </a:spcBef>
-              <a:spcAft>
-                <a:spcPct val="0"/>
-              </a:spcAft>
-              <a:defRPr sz="4600">
-                <a:solidFill>
-                  <a:srgbClr val="2D4141"/>
-                </a:solidFill>
-                <a:latin typeface="Futura Condensed" pitchFamily="6" charset="0"/>
-                <a:ea typeface="ヒラギノ角ゴ ProN W3" pitchFamily="6" charset="-128"/>
-                <a:sym typeface="Futura Condensed" pitchFamily="6" charset="0"/>
-              </a:defRPr>
-            </a:lvl9pPr>
-          </a:lstStyle>
-          <a:p>
-            <a:pPr eaLnBrk="1" hangingPunct="1">
-              <a:defRPr/>
-            </a:pPr>
-            <a:r>
-              <a:rPr lang="en-US" altLang="pt-BR" sz="1758">
-                <a:solidFill>
-                  <a:schemeClr val="tx1"/>
-                </a:solidFill>
-                <a:effectLst>
-                  <a:outerShdw blurRad="38100" dist="38100" dir="2700000" algn="tl">
-                    <a:srgbClr val="C0C0C0"/>
-                  </a:outerShdw>
-                </a:effectLst>
-                <a:latin typeface="Courier" pitchFamily="6" charset="0"/>
-                <a:ea typeface="MS PGothic" panose="020B0600070205080204" pitchFamily="34" charset="-128"/>
-                <a:sym typeface="Courier" pitchFamily="6" charset="0"/>
-              </a:rPr>
-              <a:t>Lab</a:t>
-            </a:r>
-          </a:p>
-        </p:txBody>
-      </p:sp>
-      <p:sp>
-        <p:nvSpPr>
-          <p:cNvPr id="5123" name="AutoShape 2">
-            <a:extLst>
-              <a:ext uri="{FF2B5EF4-FFF2-40B4-BE49-F238E27FC236}">
-                <a16:creationId xmlns:a16="http://schemas.microsoft.com/office/drawing/2014/main" id="{86124621-16BC-451D-80A1-9D579325B85E}"/>
-              </a:ext>
-            </a:extLst>
-          </p:cNvPr>
-          <p:cNvSpPr>
-            <a:spLocks/>
-          </p:cNvSpPr>
-          <p:nvPr/>
-        </p:nvSpPr>
-        <p:spPr bwMode="auto">
-          <a:xfrm>
-            <a:off x="3684985" y="2375297"/>
-            <a:ext cx="4822031" cy="2321719"/>
-          </a:xfrm>
-          <a:prstGeom prst="roundRect">
-            <a:avLst>
-              <a:gd name="adj" fmla="val 5769"/>
-            </a:avLst>
-          </a:prstGeom>
-          <a:solidFill>
-            <a:schemeClr val="accent1">
-              <a:alpha val="50980"/>
-            </a:schemeClr>
-          </a:solidFill>
-          <a:ln w="25400">
-            <a:solidFill>
-              <a:schemeClr val="tx1"/>
-            </a:solidFill>
-            <a:miter lim="800000"/>
-            <a:headEnd/>
-            <a:tailEnd/>
-          </a:ln>
-        </p:spPr>
-        <p:txBody>
-          <a:bodyPr lIns="0" tIns="0" rIns="0" bIns="0"/>
-          <a:lstStyle>
-            <a:lvl1pPr algn="ctr">
-              <a:defRPr sz="3600">
-                <a:solidFill>
-                  <a:schemeClr val="tx1"/>
-                </a:solidFill>
-                <a:latin typeface="Gill Sans"/>
-                <a:ea typeface="ヒラギノ角ゴ ProN W3"/>
-                <a:cs typeface="ヒラギノ角ゴ ProN W3"/>
-                <a:sym typeface="Gill Sans"/>
-              </a:defRPr>
-            </a:lvl1pPr>
-            <a:lvl2pPr marL="742950" indent="-285750" algn="ctr">
-              <a:defRPr sz="3600">
-                <a:solidFill>
-                  <a:schemeClr val="tx1"/>
-                </a:solidFill>
-                <a:latin typeface="Gill Sans"/>
-                <a:ea typeface="ヒラギノ角ゴ ProN W3"/>
-                <a:cs typeface="ヒラギノ角ゴ ProN W3"/>
-                <a:sym typeface="Gill Sans"/>
-              </a:defRPr>
-            </a:lvl2pPr>
-            <a:lvl3pPr marL="1143000" indent="-228600" algn="ctr">
-              <a:defRPr sz="3600">
-                <a:solidFill>
-                  <a:schemeClr val="tx1"/>
-                </a:solidFill>
-                <a:latin typeface="Gill Sans"/>
-                <a:ea typeface="ヒラギノ角ゴ ProN W3"/>
-                <a:cs typeface="ヒラギノ角ゴ ProN W3"/>
-                <a:sym typeface="Gill Sans"/>
-              </a:defRPr>
-            </a:lvl3pPr>
-            <a:lvl4pPr marL="1600200" indent="-228600" algn="ctr">
-              <a:defRPr sz="3600">
-                <a:solidFill>
-                  <a:schemeClr val="tx1"/>
-                </a:solidFill>
-                <a:latin typeface="Gill Sans"/>
-                <a:ea typeface="ヒラギノ角ゴ ProN W3"/>
-                <a:cs typeface="ヒラギノ角ゴ ProN W3"/>
-                <a:sym typeface="Gill Sans"/>
-              </a:defRPr>
-            </a:lvl4pPr>
-            <a:lvl5pPr marL="2057400" indent="-228600" algn="ctr">
-              <a:defRPr sz="3600">
-                <a:solidFill>
-                  <a:schemeClr val="tx1"/>
-                </a:solidFill>
-                <a:latin typeface="Gill Sans"/>
-                <a:ea typeface="ヒラギノ角ゴ ProN W3"/>
-                <a:cs typeface="ヒラギノ角ゴ ProN W3"/>
-                <a:sym typeface="Gill Sans"/>
-              </a:defRPr>
-            </a:lvl5pPr>
-            <a:lvl6pPr marL="2514600" indent="-228600" algn="ctr" eaLnBrk="0" fontAlgn="base" hangingPunct="0">
-              <a:spcBef>
-                <a:spcPct val="0"/>
-              </a:spcBef>
-              <a:spcAft>
-                <a:spcPct val="0"/>
-              </a:spcAft>
-              <a:defRPr sz="3600">
-                <a:solidFill>
-                  <a:schemeClr val="tx1"/>
-                </a:solidFill>
-                <a:latin typeface="Gill Sans"/>
-                <a:ea typeface="ヒラギノ角ゴ ProN W3"/>
-                <a:cs typeface="ヒラギノ角ゴ ProN W3"/>
-                <a:sym typeface="Gill Sans"/>
-              </a:defRPr>
-            </a:lvl6pPr>
-            <a:lvl7pPr marL="2971800" indent="-228600" algn="ctr" eaLnBrk="0" fontAlgn="base" hangingPunct="0">
-              <a:spcBef>
-                <a:spcPct val="0"/>
-              </a:spcBef>
-              <a:spcAft>
-                <a:spcPct val="0"/>
-              </a:spcAft>
-              <a:defRPr sz="3600">
-                <a:solidFill>
-                  <a:schemeClr val="tx1"/>
-                </a:solidFill>
-                <a:latin typeface="Gill Sans"/>
-                <a:ea typeface="ヒラギノ角ゴ ProN W3"/>
-                <a:cs typeface="ヒラギノ角ゴ ProN W3"/>
-                <a:sym typeface="Gill Sans"/>
-              </a:defRPr>
-            </a:lvl7pPr>
-            <a:lvl8pPr marL="3429000" indent="-228600" algn="ctr" eaLnBrk="0" fontAlgn="base" hangingPunct="0">
-              <a:spcBef>
-                <a:spcPct val="0"/>
-              </a:spcBef>
-              <a:spcAft>
-                <a:spcPct val="0"/>
-              </a:spcAft>
-              <a:defRPr sz="3600">
-                <a:solidFill>
-                  <a:schemeClr val="tx1"/>
-                </a:solidFill>
-                <a:latin typeface="Gill Sans"/>
-                <a:ea typeface="ヒラギノ角ゴ ProN W3"/>
-                <a:cs typeface="ヒラギノ角ゴ ProN W3"/>
-                <a:sym typeface="Gill Sans"/>
-              </a:defRPr>
-            </a:lvl8pPr>
-            <a:lvl9pPr marL="3886200" indent="-228600" algn="ctr" eaLnBrk="0" fontAlgn="base" hangingPunct="0">
-              <a:spcBef>
-                <a:spcPct val="0"/>
-              </a:spcBef>
-              <a:spcAft>
-                <a:spcPct val="0"/>
-              </a:spcAft>
-              <a:defRPr sz="3600">
-                <a:solidFill>
-                  <a:schemeClr val="tx1"/>
-                </a:solidFill>
-                <a:latin typeface="Gill Sans"/>
-                <a:ea typeface="ヒラギノ角ゴ ProN W3"/>
-                <a:cs typeface="ヒラギノ角ゴ ProN W3"/>
-                <a:sym typeface="Gill Sans"/>
-              </a:defRPr>
-            </a:lvl9pPr>
-          </a:lstStyle>
-          <a:p>
-            <a:pPr eaLnBrk="1" hangingPunct="1"/>
-            <a:endParaRPr lang="en-US" altLang="pt-BR" sz="1336">
-              <a:ea typeface="MS PGothic" panose="020B0600070205080204" pitchFamily="34" charset="-128"/>
-            </a:endParaRPr>
-          </a:p>
-          <a:p>
-            <a:pPr eaLnBrk="1" hangingPunct="1"/>
-            <a:r>
-              <a:rPr lang="en-US" altLang="pt-BR" sz="1336">
-                <a:ea typeface="MS PGothic" panose="020B0600070205080204" pitchFamily="34" charset="-128"/>
-              </a:rPr>
-              <a:t>Série de Seminários</a:t>
-            </a:r>
-          </a:p>
-          <a:p>
-            <a:pPr eaLnBrk="1" hangingPunct="1"/>
-            <a:endParaRPr lang="en-US" altLang="pt-BR" sz="1336" i="1">
-              <a:ea typeface="MS PGothic" panose="020B0600070205080204" pitchFamily="34" charset="-128"/>
-            </a:endParaRPr>
-          </a:p>
-          <a:p>
-            <a:pPr eaLnBrk="1" hangingPunct="1"/>
-            <a:endParaRPr lang="en-US" altLang="pt-BR" sz="1336" i="1">
-              <a:ea typeface="MS PGothic" panose="020B0600070205080204" pitchFamily="34" charset="-128"/>
-            </a:endParaRPr>
-          </a:p>
-          <a:p>
-            <a:pPr eaLnBrk="1" hangingPunct="1"/>
-            <a:r>
-              <a:rPr lang="en-US" altLang="pt-BR" sz="1336" b="1" i="1">
-                <a:ea typeface="MS PGothic" panose="020B0600070205080204" pitchFamily="34" charset="-128"/>
-              </a:rPr>
-              <a:t>MO809A Tópicos de Sistemas Distribuídos</a:t>
-            </a:r>
-          </a:p>
-          <a:p>
-            <a:pPr eaLnBrk="1" hangingPunct="1"/>
-            <a:endParaRPr lang="en-US" altLang="pt-BR" sz="1336" b="1" i="1">
-              <a:ea typeface="MS PGothic" panose="020B0600070205080204" pitchFamily="34" charset="-128"/>
-            </a:endParaRPr>
-          </a:p>
-          <a:p>
-            <a:pPr eaLnBrk="1" hangingPunct="1"/>
-            <a:endParaRPr lang="en-US" altLang="pt-BR" sz="1336" i="1">
-              <a:ea typeface="MS PGothic" panose="020B0600070205080204" pitchFamily="34" charset="-128"/>
-            </a:endParaRPr>
-          </a:p>
-          <a:p>
-            <a:pPr eaLnBrk="1" hangingPunct="1"/>
-            <a:r>
-              <a:rPr lang="en-US" altLang="pt-BR" sz="1336" i="1">
-                <a:ea typeface="MS PGothic" panose="020B0600070205080204" pitchFamily="34" charset="-128"/>
-              </a:rPr>
-              <a:t>Prof. Dr. Leandro Villas</a:t>
-            </a:r>
-          </a:p>
-          <a:p>
-            <a:pPr eaLnBrk="1" hangingPunct="1"/>
-            <a:r>
-              <a:rPr lang="en-US" altLang="pt-BR" sz="844" u="sng">
-                <a:latin typeface="Courier"/>
-                <a:ea typeface="MS PGothic" panose="020B0600070205080204" pitchFamily="34" charset="-128"/>
-                <a:sym typeface="Courier"/>
-              </a:rPr>
-              <a:t>leandro@ic.unicamp.br</a:t>
-            </a:r>
-            <a:endParaRPr lang="en-US" altLang="pt-BR" sz="844">
-              <a:latin typeface="Courier"/>
-              <a:ea typeface="MS PGothic" panose="020B0600070205080204" pitchFamily="34" charset="-128"/>
-              <a:sym typeface="Courier"/>
-            </a:endParaRPr>
-          </a:p>
-          <a:p>
-            <a:pPr eaLnBrk="1" hangingPunct="1"/>
-            <a:r>
-              <a:rPr lang="en-US" altLang="pt-BR" sz="844" u="sng">
-                <a:latin typeface="Courier"/>
-                <a:ea typeface="MS PGothic" panose="020B0600070205080204" pitchFamily="34" charset="-128"/>
-                <a:sym typeface="Courier"/>
-              </a:rPr>
-              <a:t>http://www.ic.unicamp.br/~leandro/</a:t>
-            </a:r>
-            <a:r>
-              <a:rPr lang="en-US" altLang="pt-BR" sz="844" u="sng">
-                <a:latin typeface="Courier"/>
-                <a:ea typeface="MS PGothic" panose="020B0600070205080204" pitchFamily="34" charset="-128"/>
-                <a:sym typeface="Courier"/>
-                <a:hlinkClick r:id="rId2"/>
-              </a:rPr>
-              <a:t>E</a:t>
-            </a:r>
-            <a:r>
-              <a:rPr lang="en-US" altLang="pt-BR" sz="844" u="sng">
-                <a:latin typeface="Courier"/>
-                <a:ea typeface="MS PGothic" panose="020B0600070205080204" pitchFamily="34" charset="-128"/>
-                <a:sym typeface="Courier"/>
-              </a:rPr>
-              <a:t>nsino/MO809/1s2019/</a:t>
-            </a:r>
-            <a:endParaRPr lang="en-US" altLang="pt-BR" sz="844" u="sng">
-              <a:latin typeface="Courier"/>
-              <a:ea typeface="MS PGothic" panose="020B0600070205080204" pitchFamily="34" charset="-128"/>
-              <a:sym typeface="Courier"/>
-              <a:hlinkClick r:id="rId2"/>
-            </a:endParaRPr>
-          </a:p>
-        </p:txBody>
-      </p:sp>
-    </p:spTree>
-  </p:cSld>
-  <p:clrMapOvr>
-    <a:masterClrMapping/>
-  </p:clrMapOvr>
-</p:sld>
-</file>
-
-<file path=ppt/slides/slide20.xml><?xml version="1.0" encoding="utf-8"?>
-<p:sld xmlns:a="http://schemas.openxmlformats.org/drawingml/2006/main" xmlns:r="http://schemas.openxmlformats.org/officeDocument/2006/relationships" xmlns:p="http://schemas.openxmlformats.org/presentationml/2006/main">
-  <p:cSld>
-    <p:spTree>
-      <p:nvGrpSpPr>
-        <p:cNvPr id="1" name=""/>
-        <p:cNvGrpSpPr/>
-        <p:nvPr/>
-      </p:nvGrpSpPr>
-      <p:grpSpPr>
-        <a:xfrm>
-          <a:off x="0" y="0"/>
-          <a:ext cx="0" cy="0"/>
-          <a:chOff x="0" y="0"/>
-          <a:chExt cx="0" cy="0"/>
-        </a:xfrm>
-      </p:grpSpPr>
-      <p:sp>
-        <p:nvSpPr>
           <p:cNvPr id="43010" name="Rectangle 1">
             <a:extLst>
               <a:ext uri="{FF2B5EF4-FFF2-40B4-BE49-F238E27FC236}">
@@ -6788,7 +7346,7 @@
 </p:sld>
 </file>
 
-<file path=ppt/slides/slide21.xml><?xml version="1.0" encoding="utf-8"?>
+<file path=ppt/slides/slide22.xml><?xml version="1.0" encoding="utf-8"?>
 <p:sld xmlns:a="http://schemas.openxmlformats.org/drawingml/2006/main" xmlns:r="http://schemas.openxmlformats.org/officeDocument/2006/relationships" xmlns:p="http://schemas.openxmlformats.org/presentationml/2006/main">
   <p:cSld>
     <p:spTree>
@@ -7074,7 +7632,7 @@
                 <a:ea typeface="MS PGothic" panose="020B0600070205080204" pitchFamily="34" charset="-128"/>
                 <a:sym typeface="Gill Sans"/>
               </a:rPr>
-              <a:t>CONCEITOS BÁSICOS</a:t>
+              <a:t>INTRODUÇÃO</a:t>
             </a:r>
           </a:p>
         </p:txBody>
@@ -7109,67 +7667,56 @@
           <a:chExt cx="0" cy="0"/>
         </a:xfrm>
       </p:grpSpPr>
-      <p:pic>
-        <p:nvPicPr>
-          <p:cNvPr id="3" name="Imagem 2">
-            <a:extLst>
-              <a:ext uri="{FF2B5EF4-FFF2-40B4-BE49-F238E27FC236}">
-                <a16:creationId xmlns:a16="http://schemas.microsoft.com/office/drawing/2014/main" id="{1AAB4B17-7243-4FC9-BAD8-3C88D6DDFAAA}"/>
-              </a:ext>
-            </a:extLst>
-          </p:cNvPr>
-          <p:cNvPicPr>
-            <a:picLocks noChangeAspect="1"/>
-          </p:cNvPicPr>
+      <p:sp>
+        <p:nvSpPr>
+          <p:cNvPr id="4" name="CaixaDeTexto 3">
+            <a:extLst>
+              <a:ext uri="{FF2B5EF4-FFF2-40B4-BE49-F238E27FC236}">
+                <a16:creationId xmlns:a16="http://schemas.microsoft.com/office/drawing/2014/main" id="{7A1F9656-459C-461C-A3AC-29132F70F43F}"/>
+              </a:ext>
+            </a:extLst>
+          </p:cNvPr>
+          <p:cNvSpPr txBox="1"/>
           <p:nvPr/>
-        </p:nvPicPr>
-        <p:blipFill>
-          <a:blip r:embed="rId2"/>
-          <a:stretch>
-            <a:fillRect/>
-          </a:stretch>
-        </p:blipFill>
+        </p:nvSpPr>
         <p:spPr>
           <a:xfrm>
-            <a:off x="3584863" y="296001"/>
-            <a:ext cx="5022273" cy="6265996"/>
+            <a:off x="1187659" y="1813213"/>
+            <a:ext cx="9161686" cy="2862322"/>
           </a:xfrm>
           <a:prstGeom prst="rect">
             <a:avLst/>
           </a:prstGeom>
+          <a:noFill/>
         </p:spPr>
-      </p:pic>
-      <p:sp>
-        <p:nvSpPr>
-          <p:cNvPr id="2" name="Título 1">
-            <a:extLst>
-              <a:ext uri="{FF2B5EF4-FFF2-40B4-BE49-F238E27FC236}">
-                <a16:creationId xmlns:a16="http://schemas.microsoft.com/office/drawing/2014/main" id="{E35DCA0C-6555-470E-A04C-3DF1FE2ACCEE}"/>
-              </a:ext>
-            </a:extLst>
-          </p:cNvPr>
-          <p:cNvSpPr>
-            <a:spLocks noGrp="1"/>
-          </p:cNvSpPr>
-          <p:nvPr>
-            <p:ph type="title"/>
-          </p:nvPr>
-        </p:nvSpPr>
-        <p:spPr>
-          <a:xfrm rot="16200000">
-            <a:off x="-1674645" y="2766217"/>
-            <a:ext cx="5617565" cy="1325563"/>
-          </a:xfrm>
-        </p:spPr>
-        <p:txBody>
-          <a:bodyPr>
-            <a:normAutofit/>
+        <p:txBody>
+          <a:bodyPr wrap="square" rtlCol="0">
+            <a:spAutoFit/>
           </a:bodyPr>
           <a:lstStyle/>
           <a:p>
-            <a:r>
-              <a:rPr lang="pt-BR" sz="3200" b="1" dirty="0"/>
-              <a:t>FSM: Máquina de Estado Finito </a:t>
+            <a:pPr algn="ctr"/>
+            <a:r>
+              <a:rPr lang="pt-BR" sz="3600" dirty="0"/>
+              <a:t>Este trabalho prático objetiva observar o </a:t>
+            </a:r>
+          </a:p>
+          <a:p>
+            <a:pPr algn="ctr"/>
+            <a:r>
+              <a:rPr lang="pt-BR" sz="3600" dirty="0"/>
+              <a:t>consumo de energia de uma rede com 2 nós </a:t>
+            </a:r>
+          </a:p>
+          <a:p>
+            <a:pPr algn="ctr"/>
+            <a:r>
+              <a:rPr lang="pt-BR" sz="3600" dirty="0" err="1"/>
+              <a:t>Wifi</a:t>
+            </a:r>
+            <a:r>
+              <a:rPr lang="pt-BR" sz="3600" dirty="0"/>
+              <a:t> com mobilidade estacionária, variando a distância entre eles, ou variando alguma característica.</a:t>
             </a:r>
           </a:p>
         </p:txBody>
@@ -7177,7 +7724,7 @@
     </p:spTree>
     <p:extLst>
       <p:ext uri="{BB962C8B-B14F-4D97-AF65-F5344CB8AC3E}">
-        <p14:creationId xmlns:p14="http://schemas.microsoft.com/office/powerpoint/2010/main" val="3382611910"/>
+        <p14:creationId xmlns:p14="http://schemas.microsoft.com/office/powerpoint/2010/main" val="3163264948"/>
       </p:ext>
     </p:extLst>
   </p:cSld>
@@ -7204,40 +7751,12 @@
           <a:chExt cx="0" cy="0"/>
         </a:xfrm>
       </p:grpSpPr>
-      <p:sp>
-        <p:nvSpPr>
-          <p:cNvPr id="2" name="Título 1">
-            <a:extLst>
-              <a:ext uri="{FF2B5EF4-FFF2-40B4-BE49-F238E27FC236}">
-                <a16:creationId xmlns:a16="http://schemas.microsoft.com/office/drawing/2014/main" id="{0D13B605-69B8-4DE9-9DDB-021A00916113}"/>
-              </a:ext>
-            </a:extLst>
-          </p:cNvPr>
-          <p:cNvSpPr>
-            <a:spLocks noGrp="1"/>
-          </p:cNvSpPr>
-          <p:nvPr>
-            <p:ph type="title"/>
-          </p:nvPr>
-        </p:nvSpPr>
-        <p:spPr/>
-        <p:txBody>
-          <a:bodyPr/>
-          <a:lstStyle/>
-          <a:p>
-            <a:r>
-              <a:rPr lang="pt-BR" dirty="0"/>
-              <a:t>PARÂMETROS DE TX E RX</a:t>
-            </a:r>
-          </a:p>
-        </p:txBody>
-      </p:sp>
       <p:pic>
         <p:nvPicPr>
           <p:cNvPr id="3" name="Imagem 2">
             <a:extLst>
               <a:ext uri="{FF2B5EF4-FFF2-40B4-BE49-F238E27FC236}">
-                <a16:creationId xmlns:a16="http://schemas.microsoft.com/office/drawing/2014/main" id="{E5CBBBD1-DD5A-472B-8CC0-04478F02B8A3}"/>
+                <a16:creationId xmlns:a16="http://schemas.microsoft.com/office/drawing/2014/main" id="{1AAB4B17-7243-4FC9-BAD8-3C88D6DDFAAA}"/>
               </a:ext>
             </a:extLst>
           </p:cNvPr>
@@ -7254,8 +7773,8 @@
         </p:blipFill>
         <p:spPr>
           <a:xfrm>
-            <a:off x="1596472" y="1690688"/>
-            <a:ext cx="7448550" cy="3952875"/>
+            <a:off x="3584863" y="296001"/>
+            <a:ext cx="5022273" cy="6265996"/>
           </a:xfrm>
           <a:prstGeom prst="rect">
             <a:avLst/>
@@ -7264,35 +7783,35 @@
       </p:pic>
       <p:sp>
         <p:nvSpPr>
-          <p:cNvPr id="4" name="CaixaDeTexto 3">
-            <a:extLst>
-              <a:ext uri="{FF2B5EF4-FFF2-40B4-BE49-F238E27FC236}">
-                <a16:creationId xmlns:a16="http://schemas.microsoft.com/office/drawing/2014/main" id="{E25D78FC-46AC-4130-9D8B-83E92ED897F6}"/>
-              </a:ext>
-            </a:extLst>
-          </p:cNvPr>
-          <p:cNvSpPr txBox="1"/>
-          <p:nvPr/>
+          <p:cNvPr id="2" name="Título 1">
+            <a:extLst>
+              <a:ext uri="{FF2B5EF4-FFF2-40B4-BE49-F238E27FC236}">
+                <a16:creationId xmlns:a16="http://schemas.microsoft.com/office/drawing/2014/main" id="{E35DCA0C-6555-470E-A04C-3DF1FE2ACCEE}"/>
+              </a:ext>
+            </a:extLst>
+          </p:cNvPr>
+          <p:cNvSpPr>
+            <a:spLocks noGrp="1"/>
+          </p:cNvSpPr>
+          <p:nvPr>
+            <p:ph type="title"/>
+          </p:nvPr>
         </p:nvSpPr>
         <p:spPr>
-          <a:xfrm>
-            <a:off x="864289" y="5943600"/>
-            <a:ext cx="10923953" cy="369332"/>
+          <a:xfrm rot="16200000">
+            <a:off x="-1674645" y="2766217"/>
+            <a:ext cx="5617565" cy="1325563"/>
           </a:xfrm>
-          <a:prstGeom prst="rect">
-            <a:avLst/>
-          </a:prstGeom>
-          <a:noFill/>
         </p:spPr>
         <p:txBody>
-          <a:bodyPr wrap="none" rtlCol="0">
-            <a:spAutoFit/>
+          <a:bodyPr>
+            <a:normAutofit/>
           </a:bodyPr>
           <a:lstStyle/>
           <a:p>
             <a:r>
-              <a:rPr lang="pt-BR" dirty="0"/>
-              <a:t>http://literature.cdn.keysight.com/litweb/pdf/ads2008/adswtbwlan/ads2008/WLAN_802_11a_RX_Sensitivity.html</a:t>
+              <a:rPr lang="pt-BR" sz="3200" b="1" dirty="0"/>
+              <a:t>FSM: Máquina de Estado Finito </a:t>
             </a:r>
           </a:p>
         </p:txBody>
@@ -7300,7 +7819,7 @@
     </p:spTree>
     <p:extLst>
       <p:ext uri="{BB962C8B-B14F-4D97-AF65-F5344CB8AC3E}">
-        <p14:creationId xmlns:p14="http://schemas.microsoft.com/office/powerpoint/2010/main" val="2665304951"/>
+        <p14:creationId xmlns:p14="http://schemas.microsoft.com/office/powerpoint/2010/main" val="3382611910"/>
       </p:ext>
     </p:extLst>
   </p:cSld>
@@ -7329,194 +7848,103 @@
       </p:grpSpPr>
       <p:sp>
         <p:nvSpPr>
-          <p:cNvPr id="31746" name="Rectangle 1">
-            <a:extLst>
-              <a:ext uri="{FF2B5EF4-FFF2-40B4-BE49-F238E27FC236}">
-                <a16:creationId xmlns:a16="http://schemas.microsoft.com/office/drawing/2014/main" id="{2AD3DB76-E083-4A84-B3AA-020573475FE6}"/>
+          <p:cNvPr id="2" name="Título 1">
+            <a:extLst>
+              <a:ext uri="{FF2B5EF4-FFF2-40B4-BE49-F238E27FC236}">
+                <a16:creationId xmlns:a16="http://schemas.microsoft.com/office/drawing/2014/main" id="{0D13B605-69B8-4DE9-9DDB-021A00916113}"/>
               </a:ext>
             </a:extLst>
           </p:cNvPr>
           <p:cNvSpPr>
-            <a:spLocks/>
-          </p:cNvSpPr>
+            <a:spLocks noGrp="1"/>
+          </p:cNvSpPr>
+          <p:nvPr>
+            <p:ph type="title"/>
+          </p:nvPr>
+        </p:nvSpPr>
+        <p:spPr/>
+        <p:txBody>
+          <a:bodyPr/>
+          <a:lstStyle/>
+          <a:p>
+            <a:r>
+              <a:rPr lang="pt-BR" dirty="0"/>
+              <a:t>PARÂMETROS DE TX E RX</a:t>
+            </a:r>
+          </a:p>
+        </p:txBody>
+      </p:sp>
+      <p:pic>
+        <p:nvPicPr>
+          <p:cNvPr id="3" name="Imagem 2">
+            <a:extLst>
+              <a:ext uri="{FF2B5EF4-FFF2-40B4-BE49-F238E27FC236}">
+                <a16:creationId xmlns:a16="http://schemas.microsoft.com/office/drawing/2014/main" id="{E5CBBBD1-DD5A-472B-8CC0-04478F02B8A3}"/>
+              </a:ext>
+            </a:extLst>
+          </p:cNvPr>
+          <p:cNvPicPr>
+            <a:picLocks noChangeAspect="1"/>
+          </p:cNvPicPr>
           <p:nvPr/>
-        </p:nvSpPr>
-        <p:spPr bwMode="auto">
+        </p:nvPicPr>
+        <p:blipFill>
+          <a:blip r:embed="rId2"/>
+          <a:stretch>
+            <a:fillRect/>
+          </a:stretch>
+        </p:blipFill>
+        <p:spPr>
           <a:xfrm>
-            <a:off x="3122414" y="2259211"/>
-            <a:ext cx="5947172" cy="2339578"/>
+            <a:off x="1596472" y="1690688"/>
+            <a:ext cx="7448550" cy="3952875"/>
+          </a:xfrm>
+          <a:prstGeom prst="rect">
+            <a:avLst/>
+          </a:prstGeom>
+        </p:spPr>
+      </p:pic>
+      <p:sp>
+        <p:nvSpPr>
+          <p:cNvPr id="4" name="CaixaDeTexto 3">
+            <a:extLst>
+              <a:ext uri="{FF2B5EF4-FFF2-40B4-BE49-F238E27FC236}">
+                <a16:creationId xmlns:a16="http://schemas.microsoft.com/office/drawing/2014/main" id="{E25D78FC-46AC-4130-9D8B-83E92ED897F6}"/>
+              </a:ext>
+            </a:extLst>
+          </p:cNvPr>
+          <p:cNvSpPr txBox="1"/>
+          <p:nvPr/>
+        </p:nvSpPr>
+        <p:spPr>
+          <a:xfrm>
+            <a:off x="864289" y="5943600"/>
+            <a:ext cx="10923953" cy="369332"/>
           </a:xfrm>
           <a:prstGeom prst="rect">
             <a:avLst/>
           </a:prstGeom>
           <a:noFill/>
-          <a:ln>
-            <a:noFill/>
-          </a:ln>
-          <a:extLst>
-            <a:ext uri="{909E8E84-426E-40DD-AFC4-6F175D3DCCD1}">
-              <a14:hiddenFill xmlns:a14="http://schemas.microsoft.com/office/drawing/2010/main">
-                <a:solidFill>
-                  <a:srgbClr val="FFFFFF"/>
-                </a:solidFill>
-              </a14:hiddenFill>
-            </a:ext>
-            <a:ext uri="{91240B29-F687-4F45-9708-019B960494DF}">
-              <a14:hiddenLine xmlns:a14="http://schemas.microsoft.com/office/drawing/2010/main" w="12700">
-                <a:solidFill>
-                  <a:schemeClr val="tx1"/>
-                </a:solidFill>
-                <a:miter lim="800000"/>
-                <a:headEnd/>
-                <a:tailEnd/>
-              </a14:hiddenLine>
-            </a:ext>
-          </a:extLst>
         </p:spPr>
         <p:txBody>
-          <a:bodyPr lIns="0" tIns="0" rIns="0" bIns="0" anchor="ctr"/>
-          <a:lstStyle>
-            <a:lvl1pPr>
-              <a:defRPr sz="4600">
-                <a:solidFill>
-                  <a:srgbClr val="2D4141"/>
-                </a:solidFill>
-                <a:latin typeface="Futura Condensed"/>
-                <a:ea typeface="ヒラギノ角ゴ ProN W3"/>
-                <a:cs typeface="ヒラギノ角ゴ ProN W3"/>
-                <a:sym typeface="Futura Condensed"/>
-              </a:defRPr>
-            </a:lvl1pPr>
-            <a:lvl2pPr marL="742950" indent="-285750">
-              <a:defRPr sz="4600">
-                <a:solidFill>
-                  <a:srgbClr val="2D4141"/>
-                </a:solidFill>
-                <a:latin typeface="Futura Condensed"/>
-                <a:ea typeface="ヒラギノ角ゴ ProN W3"/>
-                <a:cs typeface="ヒラギノ角ゴ ProN W3"/>
-                <a:sym typeface="Futura Condensed"/>
-              </a:defRPr>
-            </a:lvl2pPr>
-            <a:lvl3pPr marL="1143000" indent="-228600">
-              <a:defRPr sz="4600">
-                <a:solidFill>
-                  <a:srgbClr val="2D4141"/>
-                </a:solidFill>
-                <a:latin typeface="Futura Condensed"/>
-                <a:ea typeface="ヒラギノ角ゴ ProN W3"/>
-                <a:cs typeface="ヒラギノ角ゴ ProN W3"/>
-                <a:sym typeface="Futura Condensed"/>
-              </a:defRPr>
-            </a:lvl3pPr>
-            <a:lvl4pPr marL="1600200" indent="-228600">
-              <a:defRPr sz="4600">
-                <a:solidFill>
-                  <a:srgbClr val="2D4141"/>
-                </a:solidFill>
-                <a:latin typeface="Futura Condensed"/>
-                <a:ea typeface="ヒラギノ角ゴ ProN W3"/>
-                <a:cs typeface="ヒラギノ角ゴ ProN W3"/>
-                <a:sym typeface="Futura Condensed"/>
-              </a:defRPr>
-            </a:lvl4pPr>
-            <a:lvl5pPr marL="2057400" indent="-228600">
-              <a:defRPr sz="4600">
-                <a:solidFill>
-                  <a:srgbClr val="2D4141"/>
-                </a:solidFill>
-                <a:latin typeface="Futura Condensed"/>
-                <a:ea typeface="ヒラギノ角ゴ ProN W3"/>
-                <a:cs typeface="ヒラギノ角ゴ ProN W3"/>
-                <a:sym typeface="Futura Condensed"/>
-              </a:defRPr>
-            </a:lvl5pPr>
-            <a:lvl6pPr marL="2514600" indent="-228600" eaLnBrk="0" fontAlgn="base" hangingPunct="0">
-              <a:spcBef>
-                <a:spcPct val="0"/>
-              </a:spcBef>
-              <a:spcAft>
-                <a:spcPct val="0"/>
-              </a:spcAft>
-              <a:defRPr sz="4600">
-                <a:solidFill>
-                  <a:srgbClr val="2D4141"/>
-                </a:solidFill>
-                <a:latin typeface="Futura Condensed"/>
-                <a:ea typeface="ヒラギノ角ゴ ProN W3"/>
-                <a:cs typeface="ヒラギノ角ゴ ProN W3"/>
-                <a:sym typeface="Futura Condensed"/>
-              </a:defRPr>
-            </a:lvl6pPr>
-            <a:lvl7pPr marL="2971800" indent="-228600" eaLnBrk="0" fontAlgn="base" hangingPunct="0">
-              <a:spcBef>
-                <a:spcPct val="0"/>
-              </a:spcBef>
-              <a:spcAft>
-                <a:spcPct val="0"/>
-              </a:spcAft>
-              <a:defRPr sz="4600">
-                <a:solidFill>
-                  <a:srgbClr val="2D4141"/>
-                </a:solidFill>
-                <a:latin typeface="Futura Condensed"/>
-                <a:ea typeface="ヒラギノ角ゴ ProN W3"/>
-                <a:cs typeface="ヒラギノ角ゴ ProN W3"/>
-                <a:sym typeface="Futura Condensed"/>
-              </a:defRPr>
-            </a:lvl7pPr>
-            <a:lvl8pPr marL="3429000" indent="-228600" eaLnBrk="0" fontAlgn="base" hangingPunct="0">
-              <a:spcBef>
-                <a:spcPct val="0"/>
-              </a:spcBef>
-              <a:spcAft>
-                <a:spcPct val="0"/>
-              </a:spcAft>
-              <a:defRPr sz="4600">
-                <a:solidFill>
-                  <a:srgbClr val="2D4141"/>
-                </a:solidFill>
-                <a:latin typeface="Futura Condensed"/>
-                <a:ea typeface="ヒラギノ角ゴ ProN W3"/>
-                <a:cs typeface="ヒラギノ角ゴ ProN W3"/>
-                <a:sym typeface="Futura Condensed"/>
-              </a:defRPr>
-            </a:lvl8pPr>
-            <a:lvl9pPr marL="3886200" indent="-228600" eaLnBrk="0" fontAlgn="base" hangingPunct="0">
-              <a:spcBef>
-                <a:spcPct val="0"/>
-              </a:spcBef>
-              <a:spcAft>
-                <a:spcPct val="0"/>
-              </a:spcAft>
-              <a:defRPr sz="4600">
-                <a:solidFill>
-                  <a:srgbClr val="2D4141"/>
-                </a:solidFill>
-                <a:latin typeface="Futura Condensed"/>
-                <a:ea typeface="ヒラギノ角ゴ ProN W3"/>
-                <a:cs typeface="ヒラギノ角ゴ ProN W3"/>
-                <a:sym typeface="Futura Condensed"/>
-              </a:defRPr>
-            </a:lvl9pPr>
-          </a:lstStyle>
-          <a:p>
-            <a:pPr algn="ctr" eaLnBrk="1" hangingPunct="1"/>
-            <a:r>
-              <a:rPr lang="en-US" altLang="pt-BR" sz="5906" b="1" dirty="0">
-                <a:solidFill>
-                  <a:schemeClr val="tx1"/>
-                </a:solidFill>
-                <a:latin typeface="Gill Sans"/>
-                <a:ea typeface="MS PGothic" panose="020B0600070205080204" pitchFamily="34" charset="-128"/>
-                <a:sym typeface="Gill Sans"/>
-              </a:rPr>
-              <a:t>NS3</a:t>
+          <a:bodyPr wrap="none" rtlCol="0">
+            <a:spAutoFit/>
+          </a:bodyPr>
+          <a:lstStyle/>
+          <a:p>
+            <a:r>
+              <a:rPr lang="pt-BR" dirty="0"/>
+              <a:t>http://literature.cdn.keysight.com/litweb/pdf/ads2008/adswtbwlan/ads2008/WLAN_802_11a_RX_Sensitivity.html</a:t>
             </a:r>
           </a:p>
         </p:txBody>
       </p:sp>
     </p:spTree>
+    <p:extLst>
+      <p:ext uri="{BB962C8B-B14F-4D97-AF65-F5344CB8AC3E}">
+        <p14:creationId xmlns:p14="http://schemas.microsoft.com/office/powerpoint/2010/main" val="2665304951"/>
+      </p:ext>
+    </p:extLst>
   </p:cSld>
   <p:clrMapOvr>
     <a:masterClrMapping/>
@@ -7541,75 +7969,196 @@
           <a:chExt cx="0" cy="0"/>
         </a:xfrm>
       </p:grpSpPr>
-      <p:pic>
-        <p:nvPicPr>
-          <p:cNvPr id="3" name="Imagem 2">
-            <a:extLst>
-              <a:ext uri="{FF2B5EF4-FFF2-40B4-BE49-F238E27FC236}">
-                <a16:creationId xmlns:a16="http://schemas.microsoft.com/office/drawing/2014/main" id="{AAE3AA8F-357E-44CA-8F2D-6A1B3624E171}"/>
-              </a:ext>
-            </a:extLst>
-          </p:cNvPr>
-          <p:cNvPicPr>
-            <a:picLocks noChangeAspect="1"/>
-          </p:cNvPicPr>
+      <p:sp>
+        <p:nvSpPr>
+          <p:cNvPr id="31746" name="Rectangle 1">
+            <a:extLst>
+              <a:ext uri="{FF2B5EF4-FFF2-40B4-BE49-F238E27FC236}">
+                <a16:creationId xmlns:a16="http://schemas.microsoft.com/office/drawing/2014/main" id="{2AD3DB76-E083-4A84-B3AA-020573475FE6}"/>
+              </a:ext>
+            </a:extLst>
+          </p:cNvPr>
+          <p:cNvSpPr>
+            <a:spLocks/>
+          </p:cNvSpPr>
           <p:nvPr/>
-        </p:nvPicPr>
-        <p:blipFill>
-          <a:blip r:embed="rId2"/>
-          <a:stretch>
-            <a:fillRect/>
-          </a:stretch>
-        </p:blipFill>
-        <p:spPr>
+        </p:nvSpPr>
+        <p:spPr bwMode="auto">
           <a:xfrm>
-            <a:off x="1777622" y="70263"/>
-            <a:ext cx="9717066" cy="6729240"/>
+            <a:off x="3122414" y="2259211"/>
+            <a:ext cx="5947172" cy="2339578"/>
           </a:xfrm>
           <a:prstGeom prst="rect">
             <a:avLst/>
           </a:prstGeom>
+          <a:noFill/>
+          <a:ln>
+            <a:noFill/>
+          </a:ln>
+          <a:extLst>
+            <a:ext uri="{909E8E84-426E-40DD-AFC4-6F175D3DCCD1}">
+              <a14:hiddenFill xmlns:a14="http://schemas.microsoft.com/office/drawing/2010/main">
+                <a:solidFill>
+                  <a:srgbClr val="FFFFFF"/>
+                </a:solidFill>
+              </a14:hiddenFill>
+            </a:ext>
+            <a:ext uri="{91240B29-F687-4F45-9708-019B960494DF}">
+              <a14:hiddenLine xmlns:a14="http://schemas.microsoft.com/office/drawing/2010/main" w="12700">
+                <a:solidFill>
+                  <a:schemeClr val="tx1"/>
+                </a:solidFill>
+                <a:miter lim="800000"/>
+                <a:headEnd/>
+                <a:tailEnd/>
+              </a14:hiddenLine>
+            </a:ext>
+          </a:extLst>
         </p:spPr>
-      </p:pic>
-      <p:sp>
-        <p:nvSpPr>
-          <p:cNvPr id="2" name="Título 1">
-            <a:extLst>
-              <a:ext uri="{FF2B5EF4-FFF2-40B4-BE49-F238E27FC236}">
-                <a16:creationId xmlns:a16="http://schemas.microsoft.com/office/drawing/2014/main" id="{6AA6F4E2-7556-4A20-A911-F55F2422DE6F}"/>
-              </a:ext>
-            </a:extLst>
-          </p:cNvPr>
-          <p:cNvSpPr>
-            <a:spLocks noGrp="1"/>
-          </p:cNvSpPr>
-          <p:nvPr>
-            <p:ph type="title"/>
-          </p:nvPr>
-        </p:nvSpPr>
-        <p:spPr>
-          <a:xfrm rot="16200000">
-            <a:off x="-1785730" y="2577515"/>
-            <a:ext cx="5801139" cy="1325563"/>
-          </a:xfrm>
-        </p:spPr>
-        <p:txBody>
-          <a:bodyPr/>
-          <a:lstStyle/>
-          <a:p>
-            <a:r>
-              <a:rPr lang="pt-BR" dirty="0"/>
-              <a:t>NS3: Model de Energia</a:t>
+        <p:txBody>
+          <a:bodyPr lIns="0" tIns="0" rIns="0" bIns="0" anchor="ctr"/>
+          <a:lstStyle>
+            <a:lvl1pPr>
+              <a:defRPr sz="4600">
+                <a:solidFill>
+                  <a:srgbClr val="2D4141"/>
+                </a:solidFill>
+                <a:latin typeface="Futura Condensed"/>
+                <a:ea typeface="ヒラギノ角ゴ ProN W3"/>
+                <a:cs typeface="ヒラギノ角ゴ ProN W3"/>
+                <a:sym typeface="Futura Condensed"/>
+              </a:defRPr>
+            </a:lvl1pPr>
+            <a:lvl2pPr marL="742950" indent="-285750">
+              <a:defRPr sz="4600">
+                <a:solidFill>
+                  <a:srgbClr val="2D4141"/>
+                </a:solidFill>
+                <a:latin typeface="Futura Condensed"/>
+                <a:ea typeface="ヒラギノ角ゴ ProN W3"/>
+                <a:cs typeface="ヒラギノ角ゴ ProN W3"/>
+                <a:sym typeface="Futura Condensed"/>
+              </a:defRPr>
+            </a:lvl2pPr>
+            <a:lvl3pPr marL="1143000" indent="-228600">
+              <a:defRPr sz="4600">
+                <a:solidFill>
+                  <a:srgbClr val="2D4141"/>
+                </a:solidFill>
+                <a:latin typeface="Futura Condensed"/>
+                <a:ea typeface="ヒラギノ角ゴ ProN W3"/>
+                <a:cs typeface="ヒラギノ角ゴ ProN W3"/>
+                <a:sym typeface="Futura Condensed"/>
+              </a:defRPr>
+            </a:lvl3pPr>
+            <a:lvl4pPr marL="1600200" indent="-228600">
+              <a:defRPr sz="4600">
+                <a:solidFill>
+                  <a:srgbClr val="2D4141"/>
+                </a:solidFill>
+                <a:latin typeface="Futura Condensed"/>
+                <a:ea typeface="ヒラギノ角ゴ ProN W3"/>
+                <a:cs typeface="ヒラギノ角ゴ ProN W3"/>
+                <a:sym typeface="Futura Condensed"/>
+              </a:defRPr>
+            </a:lvl4pPr>
+            <a:lvl5pPr marL="2057400" indent="-228600">
+              <a:defRPr sz="4600">
+                <a:solidFill>
+                  <a:srgbClr val="2D4141"/>
+                </a:solidFill>
+                <a:latin typeface="Futura Condensed"/>
+                <a:ea typeface="ヒラギノ角ゴ ProN W3"/>
+                <a:cs typeface="ヒラギノ角ゴ ProN W3"/>
+                <a:sym typeface="Futura Condensed"/>
+              </a:defRPr>
+            </a:lvl5pPr>
+            <a:lvl6pPr marL="2514600" indent="-228600" eaLnBrk="0" fontAlgn="base" hangingPunct="0">
+              <a:spcBef>
+                <a:spcPct val="0"/>
+              </a:spcBef>
+              <a:spcAft>
+                <a:spcPct val="0"/>
+              </a:spcAft>
+              <a:defRPr sz="4600">
+                <a:solidFill>
+                  <a:srgbClr val="2D4141"/>
+                </a:solidFill>
+                <a:latin typeface="Futura Condensed"/>
+                <a:ea typeface="ヒラギノ角ゴ ProN W3"/>
+                <a:cs typeface="ヒラギノ角ゴ ProN W3"/>
+                <a:sym typeface="Futura Condensed"/>
+              </a:defRPr>
+            </a:lvl6pPr>
+            <a:lvl7pPr marL="2971800" indent="-228600" eaLnBrk="0" fontAlgn="base" hangingPunct="0">
+              <a:spcBef>
+                <a:spcPct val="0"/>
+              </a:spcBef>
+              <a:spcAft>
+                <a:spcPct val="0"/>
+              </a:spcAft>
+              <a:defRPr sz="4600">
+                <a:solidFill>
+                  <a:srgbClr val="2D4141"/>
+                </a:solidFill>
+                <a:latin typeface="Futura Condensed"/>
+                <a:ea typeface="ヒラギノ角ゴ ProN W3"/>
+                <a:cs typeface="ヒラギノ角ゴ ProN W3"/>
+                <a:sym typeface="Futura Condensed"/>
+              </a:defRPr>
+            </a:lvl7pPr>
+            <a:lvl8pPr marL="3429000" indent="-228600" eaLnBrk="0" fontAlgn="base" hangingPunct="0">
+              <a:spcBef>
+                <a:spcPct val="0"/>
+              </a:spcBef>
+              <a:spcAft>
+                <a:spcPct val="0"/>
+              </a:spcAft>
+              <a:defRPr sz="4600">
+                <a:solidFill>
+                  <a:srgbClr val="2D4141"/>
+                </a:solidFill>
+                <a:latin typeface="Futura Condensed"/>
+                <a:ea typeface="ヒラギノ角ゴ ProN W3"/>
+                <a:cs typeface="ヒラギノ角ゴ ProN W3"/>
+                <a:sym typeface="Futura Condensed"/>
+              </a:defRPr>
+            </a:lvl8pPr>
+            <a:lvl9pPr marL="3886200" indent="-228600" eaLnBrk="0" fontAlgn="base" hangingPunct="0">
+              <a:spcBef>
+                <a:spcPct val="0"/>
+              </a:spcBef>
+              <a:spcAft>
+                <a:spcPct val="0"/>
+              </a:spcAft>
+              <a:defRPr sz="4600">
+                <a:solidFill>
+                  <a:srgbClr val="2D4141"/>
+                </a:solidFill>
+                <a:latin typeface="Futura Condensed"/>
+                <a:ea typeface="ヒラギノ角ゴ ProN W3"/>
+                <a:cs typeface="ヒラギノ角ゴ ProN W3"/>
+                <a:sym typeface="Futura Condensed"/>
+              </a:defRPr>
+            </a:lvl9pPr>
+          </a:lstStyle>
+          <a:p>
+            <a:pPr algn="ctr" eaLnBrk="1" hangingPunct="1"/>
+            <a:r>
+              <a:rPr lang="en-US" altLang="pt-BR" sz="5906" b="1" dirty="0">
+                <a:solidFill>
+                  <a:schemeClr val="tx1"/>
+                </a:solidFill>
+                <a:latin typeface="Gill Sans"/>
+                <a:ea typeface="MS PGothic" panose="020B0600070205080204" pitchFamily="34" charset="-128"/>
+                <a:sym typeface="Gill Sans"/>
+              </a:rPr>
+              <a:t>NS3</a:t>
             </a:r>
           </a:p>
         </p:txBody>
       </p:sp>
     </p:spTree>
-    <p:extLst>
-      <p:ext uri="{BB962C8B-B14F-4D97-AF65-F5344CB8AC3E}">
-        <p14:creationId xmlns:p14="http://schemas.microsoft.com/office/powerpoint/2010/main" val="109247021"/>
-      </p:ext>
-    </p:extLst>
   </p:cSld>
   <p:clrMapOvr>
     <a:masterClrMapping/>
@@ -7634,12 +8183,42 @@
           <a:chExt cx="0" cy="0"/>
         </a:xfrm>
       </p:grpSpPr>
+      <p:pic>
+        <p:nvPicPr>
+          <p:cNvPr id="3" name="Imagem 2">
+            <a:extLst>
+              <a:ext uri="{FF2B5EF4-FFF2-40B4-BE49-F238E27FC236}">
+                <a16:creationId xmlns:a16="http://schemas.microsoft.com/office/drawing/2014/main" id="{AAE3AA8F-357E-44CA-8F2D-6A1B3624E171}"/>
+              </a:ext>
+            </a:extLst>
+          </p:cNvPr>
+          <p:cNvPicPr>
+            <a:picLocks noChangeAspect="1"/>
+          </p:cNvPicPr>
+          <p:nvPr/>
+        </p:nvPicPr>
+        <p:blipFill>
+          <a:blip r:embed="rId2"/>
+          <a:stretch>
+            <a:fillRect/>
+          </a:stretch>
+        </p:blipFill>
+        <p:spPr>
+          <a:xfrm>
+            <a:off x="1777622" y="70263"/>
+            <a:ext cx="9717066" cy="6729240"/>
+          </a:xfrm>
+          <a:prstGeom prst="rect">
+            <a:avLst/>
+          </a:prstGeom>
+        </p:spPr>
+      </p:pic>
       <p:sp>
         <p:nvSpPr>
           <p:cNvPr id="2" name="Título 1">
             <a:extLst>
               <a:ext uri="{FF2B5EF4-FFF2-40B4-BE49-F238E27FC236}">
-                <a16:creationId xmlns:a16="http://schemas.microsoft.com/office/drawing/2014/main" id="{DC32B1AA-4BD8-405C-8919-6523E273479F}"/>
+                <a16:creationId xmlns:a16="http://schemas.microsoft.com/office/drawing/2014/main" id="{6AA6F4E2-7556-4A20-A911-F55F2422DE6F}"/>
               </a:ext>
             </a:extLst>
           </p:cNvPr>
@@ -7651,9 +8230,9 @@
           </p:nvPr>
         </p:nvSpPr>
         <p:spPr>
-          <a:xfrm>
-            <a:off x="508552" y="305490"/>
-            <a:ext cx="11174896" cy="1325563"/>
+          <a:xfrm rot="16200000">
+            <a:off x="-1785730" y="2577515"/>
+            <a:ext cx="5801139" cy="1325563"/>
           </a:xfrm>
         </p:spPr>
         <p:txBody>
@@ -7662,85 +8241,15 @@
           <a:p>
             <a:r>
               <a:rPr lang="pt-BR" dirty="0"/>
-              <a:t>PRINCIPAIS PARÂMETEROS INICIAIS PARA O NS3</a:t>
-            </a:r>
-          </a:p>
-        </p:txBody>
-      </p:sp>
-      <p:sp>
-        <p:nvSpPr>
-          <p:cNvPr id="3" name="Espaço Reservado para Conteúdo 2">
-            <a:extLst>
-              <a:ext uri="{FF2B5EF4-FFF2-40B4-BE49-F238E27FC236}">
-                <a16:creationId xmlns:a16="http://schemas.microsoft.com/office/drawing/2014/main" id="{5D7B332A-A5D5-4A9C-BAF9-B407BEB16BF3}"/>
-              </a:ext>
-            </a:extLst>
-          </p:cNvPr>
-          <p:cNvSpPr>
-            <a:spLocks noGrp="1"/>
-          </p:cNvSpPr>
-          <p:nvPr>
-            <p:ph idx="1"/>
-          </p:nvPr>
-        </p:nvSpPr>
-        <p:spPr/>
-        <p:txBody>
-          <a:bodyPr/>
-          <a:lstStyle/>
-          <a:p>
-            <a:r>
-              <a:rPr lang="pt-BR" dirty="0"/>
-              <a:t>Energia inicial 100 joules, suficiente para o tempo de simulação de 100s. Consumo médio 0,82J/s.</a:t>
-            </a:r>
-          </a:p>
-          <a:p>
-            <a:r>
-              <a:rPr lang="pt-BR" dirty="0"/>
-              <a:t>Tempo de simulação 100 segundos.</a:t>
-            </a:r>
-          </a:p>
-          <a:p>
-            <a:r>
-              <a:rPr lang="pt-BR" dirty="0"/>
-              <a:t>Distância variável até </a:t>
-            </a:r>
-            <a:r>
-              <a:rPr lang="pt-BR" dirty="0" err="1"/>
-              <a:t>Rx</a:t>
-            </a:r>
-            <a:r>
-              <a:rPr lang="pt-BR" dirty="0"/>
-              <a:t>.</a:t>
-            </a:r>
-          </a:p>
-          <a:p>
-            <a:r>
-              <a:rPr lang="pt-BR" dirty="0"/>
-              <a:t>phyMode (e.g. DsssRate1Mbps)</a:t>
-            </a:r>
-          </a:p>
-          <a:p>
-            <a:r>
-              <a:rPr lang="pt-BR" dirty="0" err="1"/>
-              <a:t>Wifi</a:t>
-            </a:r>
-            <a:r>
-              <a:rPr lang="pt-BR" dirty="0"/>
-              <a:t> standard 80211b, default.</a:t>
-            </a:r>
-          </a:p>
-          <a:p>
-            <a:endParaRPr lang="pt-BR" dirty="0"/>
-          </a:p>
-          <a:p>
-            <a:endParaRPr lang="pt-BR" dirty="0"/>
+              <a:t>NS3: Model de Energia</a:t>
+            </a:r>
           </a:p>
         </p:txBody>
       </p:sp>
     </p:spTree>
     <p:extLst>
       <p:ext uri="{BB962C8B-B14F-4D97-AF65-F5344CB8AC3E}">
-        <p14:creationId xmlns:p14="http://schemas.microsoft.com/office/powerpoint/2010/main" val="1668136393"/>
+        <p14:creationId xmlns:p14="http://schemas.microsoft.com/office/powerpoint/2010/main" val="109247021"/>
       </p:ext>
     </p:extLst>
   </p:cSld>
@@ -7772,7 +8281,7 @@
           <p:cNvPr id="2" name="Título 1">
             <a:extLst>
               <a:ext uri="{FF2B5EF4-FFF2-40B4-BE49-F238E27FC236}">
-                <a16:creationId xmlns:a16="http://schemas.microsoft.com/office/drawing/2014/main" id="{41C257AB-9C84-4143-927C-181EE03BB766}"/>
+                <a16:creationId xmlns:a16="http://schemas.microsoft.com/office/drawing/2014/main" id="{DC32B1AA-4BD8-405C-8919-6523E273479F}"/>
               </a:ext>
             </a:extLst>
           </p:cNvPr>
@@ -7784,395 +8293,88 @@
           </p:nvPr>
         </p:nvSpPr>
         <p:spPr>
-          <a:xfrm rot="16200000">
-            <a:off x="-2168438" y="2685274"/>
-            <a:ext cx="5662441" cy="1325563"/>
+          <a:xfrm>
+            <a:off x="508552" y="305490"/>
+            <a:ext cx="11174896" cy="1325563"/>
           </a:xfrm>
         </p:spPr>
         <p:txBody>
-          <a:bodyPr>
-            <a:normAutofit/>
-          </a:bodyPr>
+          <a:bodyPr/>
           <a:lstStyle/>
           <a:p>
             <a:r>
-              <a:rPr lang="pt-BR" sz="2400" b="1" dirty="0"/>
-              <a:t>NS3: DISTÂNCIA ENTRE DISPOSITIVOS </a:t>
-            </a:r>
-            <a:br>
-              <a:rPr lang="pt-BR" sz="2400" b="1" dirty="0"/>
-            </a:br>
-            <a:r>
-              <a:rPr lang="pt-BR" sz="2400" b="1" dirty="0"/>
-              <a:t>COM MOBILIDADE ESTÁTICA</a:t>
-            </a:r>
-          </a:p>
-        </p:txBody>
-      </p:sp>
-      <p:pic>
-        <p:nvPicPr>
-          <p:cNvPr id="3" name="Imagem 2">
-            <a:extLst>
-              <a:ext uri="{FF2B5EF4-FFF2-40B4-BE49-F238E27FC236}">
-                <a16:creationId xmlns:a16="http://schemas.microsoft.com/office/drawing/2014/main" id="{5C1BD133-A1A9-4C6B-B4CD-6126F26B33A3}"/>
-              </a:ext>
-            </a:extLst>
-          </p:cNvPr>
-          <p:cNvPicPr>
-            <a:picLocks noChangeAspect="1"/>
-          </p:cNvPicPr>
-          <p:nvPr/>
-        </p:nvPicPr>
-        <p:blipFill>
-          <a:blip r:embed="rId2"/>
-          <a:stretch>
-            <a:fillRect/>
-          </a:stretch>
-        </p:blipFill>
-        <p:spPr>
-          <a:xfrm>
-            <a:off x="1133484" y="235676"/>
-            <a:ext cx="10230331" cy="5943600"/>
-          </a:xfrm>
-          <a:prstGeom prst="rect">
-            <a:avLst/>
-          </a:prstGeom>
-        </p:spPr>
-      </p:pic>
-      <p:sp>
-        <p:nvSpPr>
-          <p:cNvPr id="4" name="CaixaDeTexto 3">
-            <a:extLst>
-              <a:ext uri="{FF2B5EF4-FFF2-40B4-BE49-F238E27FC236}">
-                <a16:creationId xmlns:a16="http://schemas.microsoft.com/office/drawing/2014/main" id="{BF30DD39-48D5-4C56-B915-852488E26C2C}"/>
-              </a:ext>
-            </a:extLst>
-          </p:cNvPr>
-          <p:cNvSpPr txBox="1"/>
-          <p:nvPr/>
-        </p:nvSpPr>
-        <p:spPr>
-          <a:xfrm>
-            <a:off x="3792414" y="1618495"/>
-            <a:ext cx="1713611" cy="369332"/>
-          </a:xfrm>
-          <a:prstGeom prst="rect">
-            <a:avLst/>
-          </a:prstGeom>
-          <a:noFill/>
-        </p:spPr>
-        <p:txBody>
-          <a:bodyPr wrap="none" rtlCol="0">
-            <a:spAutoFit/>
-          </a:bodyPr>
+              <a:rPr lang="pt-BR" dirty="0"/>
+              <a:t>PRINCIPAIS PARÂMETEROS INICIAIS PARA O NS3</a:t>
+            </a:r>
+          </a:p>
+        </p:txBody>
+      </p:sp>
+      <p:sp>
+        <p:nvSpPr>
+          <p:cNvPr id="3" name="Espaço Reservado para Conteúdo 2">
+            <a:extLst>
+              <a:ext uri="{FF2B5EF4-FFF2-40B4-BE49-F238E27FC236}">
+                <a16:creationId xmlns:a16="http://schemas.microsoft.com/office/drawing/2014/main" id="{5D7B332A-A5D5-4A9C-BAF9-B407BEB16BF3}"/>
+              </a:ext>
+            </a:extLst>
+          </p:cNvPr>
+          <p:cNvSpPr>
+            <a:spLocks noGrp="1"/>
+          </p:cNvSpPr>
+          <p:nvPr>
+            <p:ph idx="1"/>
+          </p:nvPr>
+        </p:nvSpPr>
+        <p:spPr/>
+        <p:txBody>
+          <a:bodyPr/>
           <a:lstStyle/>
           <a:p>
             <a:r>
               <a:rPr lang="pt-BR" dirty="0"/>
-              <a:t>AP: Access Point</a:t>
-            </a:r>
-          </a:p>
-        </p:txBody>
-      </p:sp>
-      <p:cxnSp>
-        <p:nvCxnSpPr>
-          <p:cNvPr id="6" name="Conector de Seta Reta 5">
-            <a:extLst>
-              <a:ext uri="{FF2B5EF4-FFF2-40B4-BE49-F238E27FC236}">
-                <a16:creationId xmlns:a16="http://schemas.microsoft.com/office/drawing/2014/main" id="{E996643D-4936-4F6E-A571-7CAC9CE8F3CD}"/>
-              </a:ext>
-            </a:extLst>
-          </p:cNvPr>
-          <p:cNvCxnSpPr/>
-          <p:nvPr/>
-        </p:nvCxnSpPr>
-        <p:spPr>
-          <a:xfrm>
-            <a:off x="4893459" y="1909973"/>
-            <a:ext cx="768626" cy="505312"/>
-          </a:xfrm>
-          <a:prstGeom prst="straightConnector1">
-            <a:avLst/>
-          </a:prstGeom>
-          <a:ln>
-            <a:tailEnd type="triangle"/>
-          </a:ln>
-        </p:spPr>
-        <p:style>
-          <a:lnRef idx="1">
-            <a:schemeClr val="accent1"/>
-          </a:lnRef>
-          <a:fillRef idx="0">
-            <a:schemeClr val="accent1"/>
-          </a:fillRef>
-          <a:effectRef idx="0">
-            <a:schemeClr val="accent1"/>
-          </a:effectRef>
-          <a:fontRef idx="minor">
-            <a:schemeClr val="tx1"/>
-          </a:fontRef>
-        </p:style>
-      </p:cxnSp>
-      <p:sp>
-        <p:nvSpPr>
-          <p:cNvPr id="7" name="CaixaDeTexto 6">
-            <a:extLst>
-              <a:ext uri="{FF2B5EF4-FFF2-40B4-BE49-F238E27FC236}">
-                <a16:creationId xmlns:a16="http://schemas.microsoft.com/office/drawing/2014/main" id="{5059B60A-3AC2-4B15-881A-41B8E0B02CD2}"/>
-              </a:ext>
-            </a:extLst>
-          </p:cNvPr>
-          <p:cNvSpPr txBox="1"/>
-          <p:nvPr/>
-        </p:nvSpPr>
-        <p:spPr>
-          <a:xfrm>
-            <a:off x="1996998" y="5125424"/>
-            <a:ext cx="2790444" cy="369332"/>
-          </a:xfrm>
-          <a:prstGeom prst="rect">
-            <a:avLst/>
-          </a:prstGeom>
-          <a:noFill/>
-        </p:spPr>
-        <p:txBody>
-          <a:bodyPr wrap="none" rtlCol="0">
-            <a:spAutoFit/>
-          </a:bodyPr>
-          <a:lstStyle/>
+              <a:t>Energia inicial 100 joules, suficiente para o tempo de simulação de 100s. Consumo médio 0,82J/s.</a:t>
+            </a:r>
+          </a:p>
           <a:p>
             <a:r>
               <a:rPr lang="pt-BR" dirty="0"/>
-              <a:t>LAN ETHERNET: CSMA node</a:t>
-            </a:r>
-          </a:p>
-        </p:txBody>
-      </p:sp>
-      <p:cxnSp>
-        <p:nvCxnSpPr>
-          <p:cNvPr id="9" name="Conector de Seta Reta 8">
-            <a:extLst>
-              <a:ext uri="{FF2B5EF4-FFF2-40B4-BE49-F238E27FC236}">
-                <a16:creationId xmlns:a16="http://schemas.microsoft.com/office/drawing/2014/main" id="{BAAA6DB4-EA3E-4BA6-8CAF-890DC0088B38}"/>
-              </a:ext>
-            </a:extLst>
-          </p:cNvPr>
-          <p:cNvCxnSpPr>
-            <a:cxnSpLocks/>
-          </p:cNvCxnSpPr>
-          <p:nvPr/>
-        </p:nvCxnSpPr>
-        <p:spPr>
-          <a:xfrm flipV="1">
-            <a:off x="4293704" y="3348055"/>
-            <a:ext cx="711032" cy="1777370"/>
-          </a:xfrm>
-          <a:prstGeom prst="straightConnector1">
-            <a:avLst/>
-          </a:prstGeom>
-          <a:ln>
-            <a:tailEnd type="triangle"/>
-          </a:ln>
-        </p:spPr>
-        <p:style>
-          <a:lnRef idx="1">
-            <a:schemeClr val="accent1"/>
-          </a:lnRef>
-          <a:fillRef idx="0">
-            <a:schemeClr val="accent1"/>
-          </a:fillRef>
-          <a:effectRef idx="0">
-            <a:schemeClr val="accent1"/>
-          </a:effectRef>
-          <a:fontRef idx="minor">
-            <a:schemeClr val="tx1"/>
-          </a:fontRef>
-        </p:style>
-      </p:cxnSp>
-      <p:sp>
-        <p:nvSpPr>
-          <p:cNvPr id="10" name="CaixaDeTexto 9">
-            <a:extLst>
-              <a:ext uri="{FF2B5EF4-FFF2-40B4-BE49-F238E27FC236}">
-                <a16:creationId xmlns:a16="http://schemas.microsoft.com/office/drawing/2014/main" id="{A99268DF-CA09-4A32-9839-DAC37ADF6833}"/>
-              </a:ext>
-            </a:extLst>
-          </p:cNvPr>
-          <p:cNvSpPr txBox="1"/>
-          <p:nvPr/>
-        </p:nvSpPr>
-        <p:spPr>
-          <a:xfrm>
-            <a:off x="8799780" y="5431953"/>
-            <a:ext cx="1599733" cy="369332"/>
-          </a:xfrm>
-          <a:prstGeom prst="rect">
-            <a:avLst/>
-          </a:prstGeom>
-          <a:noFill/>
-        </p:spPr>
-        <p:txBody>
-          <a:bodyPr wrap="none" rtlCol="0">
-            <a:spAutoFit/>
-          </a:bodyPr>
-          <a:lstStyle/>
+              <a:t>Tempo de simulação 100 segundos.</a:t>
+            </a:r>
+          </a:p>
           <a:p>
             <a:r>
               <a:rPr lang="pt-BR" dirty="0"/>
-              <a:t>STA : </a:t>
-            </a:r>
+              <a:t>Distância variável até </a:t>
+            </a:r>
+            <a:r>
+              <a:rPr lang="pt-BR" dirty="0" err="1"/>
+              <a:t>Rx</a:t>
+            </a:r>
+            <a:r>
+              <a:rPr lang="pt-BR" dirty="0"/>
+              <a:t>.</a:t>
+            </a:r>
+          </a:p>
+          <a:p>
+            <a:r>
+              <a:rPr lang="pt-BR" dirty="0"/>
+              <a:t>phyMode (e.g. DsssRate1Mbps)</a:t>
+            </a:r>
+          </a:p>
+          <a:p>
             <a:r>
               <a:rPr lang="pt-BR" dirty="0" err="1"/>
               <a:t>Wifi</a:t>
             </a:r>
             <a:r>
               <a:rPr lang="pt-BR" dirty="0"/>
-              <a:t> node</a:t>
-            </a:r>
-          </a:p>
-        </p:txBody>
-      </p:sp>
-      <p:cxnSp>
-        <p:nvCxnSpPr>
-          <p:cNvPr id="12" name="Conector de Seta Reta 11">
-            <a:extLst>
-              <a:ext uri="{FF2B5EF4-FFF2-40B4-BE49-F238E27FC236}">
-                <a16:creationId xmlns:a16="http://schemas.microsoft.com/office/drawing/2014/main" id="{1C206F1A-EC85-43E0-A070-9A6E25120568}"/>
-              </a:ext>
-            </a:extLst>
-          </p:cNvPr>
-          <p:cNvCxnSpPr>
-            <a:cxnSpLocks/>
-          </p:cNvCxnSpPr>
-          <p:nvPr/>
-        </p:nvCxnSpPr>
-        <p:spPr>
-          <a:xfrm flipH="1" flipV="1">
-            <a:off x="8527774" y="2884870"/>
-            <a:ext cx="1667228" cy="2425221"/>
-          </a:xfrm>
-          <a:prstGeom prst="straightConnector1">
-            <a:avLst/>
-          </a:prstGeom>
-          <a:ln>
-            <a:tailEnd type="triangle"/>
-          </a:ln>
-        </p:spPr>
-        <p:style>
-          <a:lnRef idx="1">
-            <a:schemeClr val="accent1"/>
-          </a:lnRef>
-          <a:fillRef idx="0">
-            <a:schemeClr val="accent1"/>
-          </a:fillRef>
-          <a:effectRef idx="0">
-            <a:schemeClr val="accent1"/>
-          </a:effectRef>
-          <a:fontRef idx="minor">
-            <a:schemeClr val="tx1"/>
-          </a:fontRef>
-        </p:style>
-      </p:cxnSp>
-      <p:sp>
-        <p:nvSpPr>
-          <p:cNvPr id="13" name="Chave Direita 12">
-            <a:extLst>
-              <a:ext uri="{FF2B5EF4-FFF2-40B4-BE49-F238E27FC236}">
-                <a16:creationId xmlns:a16="http://schemas.microsoft.com/office/drawing/2014/main" id="{C68BA485-DB97-4A97-92D2-6CC631576DB0}"/>
-              </a:ext>
-            </a:extLst>
-          </p:cNvPr>
-          <p:cNvSpPr/>
-          <p:nvPr/>
-        </p:nvSpPr>
-        <p:spPr>
-          <a:xfrm rot="5400000">
-            <a:off x="6743661" y="1985417"/>
-            <a:ext cx="463185" cy="2262089"/>
-          </a:xfrm>
-          <a:prstGeom prst="rightBrace">
-            <a:avLst/>
-          </a:prstGeom>
-        </p:spPr>
-        <p:style>
-          <a:lnRef idx="1">
-            <a:schemeClr val="accent1"/>
-          </a:lnRef>
-          <a:fillRef idx="0">
-            <a:schemeClr val="accent1"/>
-          </a:fillRef>
-          <a:effectRef idx="0">
-            <a:schemeClr val="accent1"/>
-          </a:effectRef>
-          <a:fontRef idx="minor">
-            <a:schemeClr val="tx1"/>
-          </a:fontRef>
-        </p:style>
-        <p:txBody>
-          <a:bodyPr rtlCol="0" anchor="ctr"/>
-          <a:lstStyle/>
-          <a:p>
-            <a:pPr algn="ctr"/>
-            <a:endParaRPr lang="pt-BR"/>
-          </a:p>
-        </p:txBody>
-      </p:sp>
-      <p:sp>
-        <p:nvSpPr>
-          <p:cNvPr id="16" name="CaixaDeTexto 15">
-            <a:extLst>
-              <a:ext uri="{FF2B5EF4-FFF2-40B4-BE49-F238E27FC236}">
-                <a16:creationId xmlns:a16="http://schemas.microsoft.com/office/drawing/2014/main" id="{BB395878-F2C8-45C3-BA49-01D55E1265AB}"/>
-              </a:ext>
-            </a:extLst>
-          </p:cNvPr>
-          <p:cNvSpPr txBox="1"/>
-          <p:nvPr/>
-        </p:nvSpPr>
-        <p:spPr>
-          <a:xfrm>
-            <a:off x="6138220" y="3509947"/>
-            <a:ext cx="2448812" cy="369332"/>
-          </a:xfrm>
-          <a:prstGeom prst="rect">
-            <a:avLst/>
-          </a:prstGeom>
-          <a:noFill/>
-        </p:spPr>
-        <p:txBody>
-          <a:bodyPr wrap="none" rtlCol="0">
-            <a:spAutoFit/>
-          </a:bodyPr>
-          <a:lstStyle/>
-          <a:p>
-            <a:r>
-              <a:rPr lang="pt-BR" dirty="0" err="1"/>
-              <a:t>Distance</a:t>
-            </a:r>
-            <a:r>
-              <a:rPr lang="pt-BR" dirty="0"/>
-              <a:t> </a:t>
-            </a:r>
-            <a:r>
-              <a:rPr lang="pt-BR" dirty="0" err="1"/>
-              <a:t>to</a:t>
-            </a:r>
-            <a:r>
-              <a:rPr lang="pt-BR" dirty="0"/>
-              <a:t> </a:t>
-            </a:r>
-            <a:r>
-              <a:rPr lang="pt-BR" dirty="0" err="1"/>
-              <a:t>Rx</a:t>
-            </a:r>
-            <a:r>
-              <a:rPr lang="pt-BR" dirty="0"/>
-              <a:t> in </a:t>
-            </a:r>
-            <a:r>
-              <a:rPr lang="pt-BR" dirty="0" err="1"/>
-              <a:t>meters</a:t>
-            </a:r>
+              <a:t> standard 80211b, default.</a:t>
+            </a:r>
+          </a:p>
+          <a:p>
+            <a:endParaRPr lang="pt-BR" dirty="0"/>
+          </a:p>
+          <a:p>
             <a:endParaRPr lang="pt-BR" dirty="0"/>
           </a:p>
         </p:txBody>
@@ -8180,7 +8382,7 @@
     </p:spTree>
     <p:extLst>
       <p:ext uri="{BB962C8B-B14F-4D97-AF65-F5344CB8AC3E}">
-        <p14:creationId xmlns:p14="http://schemas.microsoft.com/office/powerpoint/2010/main" val="1344826431"/>
+        <p14:creationId xmlns:p14="http://schemas.microsoft.com/office/powerpoint/2010/main" val="1668136393"/>
       </p:ext>
     </p:extLst>
   </p:cSld>

--- a/Apresentação_Entrega.pptx
+++ b/Apresentação_Entrega.pptx
@@ -5466,12 +5466,47 @@
           <a:chExt cx="0" cy="0"/>
         </a:xfrm>
       </p:grpSpPr>
+      <p:sp>
+        <p:nvSpPr>
+          <p:cNvPr id="4" name="Título 3">
+            <a:extLst>
+              <a:ext uri="{FF2B5EF4-FFF2-40B4-BE49-F238E27FC236}">
+                <a16:creationId xmlns:a16="http://schemas.microsoft.com/office/drawing/2014/main" id="{2285FE46-F529-40CC-A820-EDBCA165031E}"/>
+              </a:ext>
+            </a:extLst>
+          </p:cNvPr>
+          <p:cNvSpPr>
+            <a:spLocks noGrp="1"/>
+          </p:cNvSpPr>
+          <p:nvPr>
+            <p:ph type="title"/>
+          </p:nvPr>
+        </p:nvSpPr>
+        <p:spPr>
+          <a:xfrm rot="16200000">
+            <a:off x="-4051852" y="742956"/>
+            <a:ext cx="10515600" cy="1325563"/>
+          </a:xfrm>
+        </p:spPr>
+        <p:txBody>
+          <a:bodyPr>
+            <a:normAutofit/>
+          </a:bodyPr>
+          <a:lstStyle/>
+          <a:p>
+            <a:r>
+              <a:rPr lang="pt-BR" sz="3200" b="1" dirty="0"/>
+              <a:t>OMNETPP: Energia vs Distância</a:t>
+            </a:r>
+          </a:p>
+        </p:txBody>
+      </p:sp>
       <p:pic>
         <p:nvPicPr>
-          <p:cNvPr id="5" name="Imagem 4">
-            <a:extLst>
-              <a:ext uri="{FF2B5EF4-FFF2-40B4-BE49-F238E27FC236}">
-                <a16:creationId xmlns:a16="http://schemas.microsoft.com/office/drawing/2014/main" id="{B2CD7556-4859-4FEE-AD60-F1853E7B7E8B}"/>
+          <p:cNvPr id="2" name="Imagem 1">
+            <a:extLst>
+              <a:ext uri="{FF2B5EF4-FFF2-40B4-BE49-F238E27FC236}">
+                <a16:creationId xmlns:a16="http://schemas.microsoft.com/office/drawing/2014/main" id="{8584B6C1-2F83-4480-92C3-A42EBD1D5C31}"/>
               </a:ext>
             </a:extLst>
           </p:cNvPr>
@@ -5488,166 +5523,14 @@
         </p:blipFill>
         <p:spPr>
           <a:xfrm>
-            <a:off x="1402989" y="194462"/>
-            <a:ext cx="9013220" cy="6469076"/>
+            <a:off x="2741901" y="408957"/>
+            <a:ext cx="8078499" cy="6496911"/>
           </a:xfrm>
           <a:prstGeom prst="rect">
             <a:avLst/>
           </a:prstGeom>
         </p:spPr>
       </p:pic>
-      <p:sp>
-        <p:nvSpPr>
-          <p:cNvPr id="4" name="Título 3">
-            <a:extLst>
-              <a:ext uri="{FF2B5EF4-FFF2-40B4-BE49-F238E27FC236}">
-                <a16:creationId xmlns:a16="http://schemas.microsoft.com/office/drawing/2014/main" id="{2285FE46-F529-40CC-A820-EDBCA165031E}"/>
-              </a:ext>
-            </a:extLst>
-          </p:cNvPr>
-          <p:cNvSpPr>
-            <a:spLocks noGrp="1"/>
-          </p:cNvSpPr>
-          <p:nvPr>
-            <p:ph type="title"/>
-          </p:nvPr>
-        </p:nvSpPr>
-        <p:spPr>
-          <a:xfrm rot="16200000">
-            <a:off x="-4051852" y="742956"/>
-            <a:ext cx="10515600" cy="1325563"/>
-          </a:xfrm>
-        </p:spPr>
-        <p:txBody>
-          <a:bodyPr>
-            <a:normAutofit/>
-          </a:bodyPr>
-          <a:lstStyle/>
-          <a:p>
-            <a:r>
-              <a:rPr lang="pt-BR" sz="3200" b="1" dirty="0"/>
-              <a:t>OMNETPP: Energia vs Distância</a:t>
-            </a:r>
-          </a:p>
-        </p:txBody>
-      </p:sp>
-      <p:cxnSp>
-        <p:nvCxnSpPr>
-          <p:cNvPr id="3" name="Conector reto 2">
-            <a:extLst>
-              <a:ext uri="{FF2B5EF4-FFF2-40B4-BE49-F238E27FC236}">
-                <a16:creationId xmlns:a16="http://schemas.microsoft.com/office/drawing/2014/main" id="{F74B1A00-F66E-4C69-A0C3-EF81C086736F}"/>
-              </a:ext>
-            </a:extLst>
-          </p:cNvPr>
-          <p:cNvCxnSpPr>
-            <a:cxnSpLocks/>
-          </p:cNvCxnSpPr>
-          <p:nvPr/>
-        </p:nvCxnSpPr>
-        <p:spPr>
-          <a:xfrm>
-            <a:off x="2660073" y="3865404"/>
-            <a:ext cx="7100459" cy="0"/>
-          </a:xfrm>
-          <a:prstGeom prst="line">
-            <a:avLst/>
-          </a:prstGeom>
-        </p:spPr>
-        <p:style>
-          <a:lnRef idx="1">
-            <a:schemeClr val="accent1"/>
-          </a:lnRef>
-          <a:fillRef idx="0">
-            <a:schemeClr val="accent1"/>
-          </a:fillRef>
-          <a:effectRef idx="0">
-            <a:schemeClr val="accent1"/>
-          </a:effectRef>
-          <a:fontRef idx="minor">
-            <a:schemeClr val="tx1"/>
-          </a:fontRef>
-        </p:style>
-      </p:cxnSp>
-      <p:sp>
-        <p:nvSpPr>
-          <p:cNvPr id="8" name="Chave Direita 7">
-            <a:extLst>
-              <a:ext uri="{FF2B5EF4-FFF2-40B4-BE49-F238E27FC236}">
-                <a16:creationId xmlns:a16="http://schemas.microsoft.com/office/drawing/2014/main" id="{1384F741-1E19-4538-BC77-C485D4AE739C}"/>
-              </a:ext>
-            </a:extLst>
-          </p:cNvPr>
-          <p:cNvSpPr/>
-          <p:nvPr/>
-        </p:nvSpPr>
-        <p:spPr>
-          <a:xfrm>
-            <a:off x="9760532" y="3865404"/>
-            <a:ext cx="242450" cy="1648698"/>
-          </a:xfrm>
-          <a:prstGeom prst="rightBrace">
-            <a:avLst/>
-          </a:prstGeom>
-        </p:spPr>
-        <p:style>
-          <a:lnRef idx="1">
-            <a:schemeClr val="accent1"/>
-          </a:lnRef>
-          <a:fillRef idx="0">
-            <a:schemeClr val="accent1"/>
-          </a:fillRef>
-          <a:effectRef idx="0">
-            <a:schemeClr val="accent1"/>
-          </a:effectRef>
-          <a:fontRef idx="minor">
-            <a:schemeClr val="tx1"/>
-          </a:fontRef>
-        </p:style>
-        <p:txBody>
-          <a:bodyPr rtlCol="0" anchor="ctr"/>
-          <a:lstStyle/>
-          <a:p>
-            <a:pPr algn="ctr"/>
-            <a:endParaRPr lang="pt-BR"/>
-          </a:p>
-        </p:txBody>
-      </p:sp>
-      <p:sp>
-        <p:nvSpPr>
-          <p:cNvPr id="9" name="CaixaDeTexto 8">
-            <a:extLst>
-              <a:ext uri="{FF2B5EF4-FFF2-40B4-BE49-F238E27FC236}">
-                <a16:creationId xmlns:a16="http://schemas.microsoft.com/office/drawing/2014/main" id="{31CAC5DA-4A07-467D-A097-BE55A56D03FD}"/>
-              </a:ext>
-            </a:extLst>
-          </p:cNvPr>
-          <p:cNvSpPr txBox="1"/>
-          <p:nvPr/>
-        </p:nvSpPr>
-        <p:spPr>
-          <a:xfrm>
-            <a:off x="10224655" y="4502727"/>
-            <a:ext cx="1424179" cy="646331"/>
-          </a:xfrm>
-          <a:prstGeom prst="rect">
-            <a:avLst/>
-          </a:prstGeom>
-          <a:noFill/>
-        </p:spPr>
-        <p:txBody>
-          <a:bodyPr wrap="square" rtlCol="0">
-            <a:spAutoFit/>
-          </a:bodyPr>
-          <a:lstStyle/>
-          <a:p>
-            <a:r>
-              <a:rPr lang="pt-BR" dirty="0"/>
-              <a:t>Não considerar</a:t>
-            </a:r>
-          </a:p>
-        </p:txBody>
-      </p:sp>
     </p:spTree>
     <p:extLst>
       <p:ext uri="{BB962C8B-B14F-4D97-AF65-F5344CB8AC3E}">
